--- a/report.pptx
+++ b/report.pptx
@@ -7,6 +7,7 @@
   <p:sldIdLst>
     <p:sldId id="257" r:id="rId2"/>
     <p:sldId id="256" r:id="rId3"/>
+    <p:sldId id="259" r:id="rId4"/>
   </p:sldIdLst>
   <p:sldSz cx="12192000" cy="6858000"/>
   <p:notesSz cx="6858000" cy="9144000"/>
@@ -105,6 +106,11 @@
       </a:defRPr>
     </a:lvl9pPr>
   </p:defaultTextStyle>
+  <p:extLst>
+    <p:ext uri="{EFAFB233-063F-42B5-8137-9DF3F51BA10A}">
+      <p15:sldGuideLst xmlns:p15="http://schemas.microsoft.com/office/powerpoint/2012/main"/>
+    </p:ext>
+  </p:extLst>
 </p:presentation>
 </file>
 
@@ -2990,7 +2996,15 @@
             </a:r>
             <a:r>
               <a:rPr lang="ru-RU" dirty="0" smtClean="0"/>
-              <a:t>работа с файлами</a:t>
+              <a:t>работа с </a:t>
+            </a:r>
+            <a:r>
+              <a:rPr lang="ru-RU" dirty="0" smtClean="0"/>
+              <a:t>файловой стру</a:t>
+            </a:r>
+            <a:r>
+              <a:rPr lang="ru-RU" dirty="0" smtClean="0"/>
+              <a:t>ктурой</a:t>
             </a:r>
             <a:endParaRPr lang="ru-RU" dirty="0"/>
           </a:p>
@@ -3109,6 +3123,121 @@
     <p:extLst>
       <p:ext uri="{BB962C8B-B14F-4D97-AF65-F5344CB8AC3E}">
         <p14:creationId xmlns:p14="http://schemas.microsoft.com/office/powerpoint/2010/main" val="2511032961"/>
+      </p:ext>
+    </p:extLst>
+  </p:cSld>
+  <p:clrMapOvr>
+    <a:masterClrMapping/>
+  </p:clrMapOvr>
+</p:sld>
+</file>
+
+<file path=ppt/slides/slide3.xml><?xml version="1.0" encoding="utf-8"?>
+<p:sld xmlns:a="http://schemas.openxmlformats.org/drawingml/2006/main" xmlns:r="http://schemas.openxmlformats.org/officeDocument/2006/relationships" xmlns:p="http://schemas.openxmlformats.org/presentationml/2006/main">
+  <p:cSld>
+    <p:spTree>
+      <p:nvGrpSpPr>
+        <p:cNvPr id="1" name=""/>
+        <p:cNvGrpSpPr/>
+        <p:nvPr/>
+      </p:nvGrpSpPr>
+      <p:grpSpPr>
+        <a:xfrm>
+          <a:off x="0" y="0"/>
+          <a:ext cx="0" cy="0"/>
+          <a:chOff x="0" y="0"/>
+          <a:chExt cx="0" cy="0"/>
+        </a:xfrm>
+      </p:grpSpPr>
+      <p:sp>
+        <p:nvSpPr>
+          <p:cNvPr id="2" name="Заголовок 1"/>
+          <p:cNvSpPr>
+            <a:spLocks noGrp="1"/>
+          </p:cNvSpPr>
+          <p:nvPr>
+            <p:ph type="title"/>
+          </p:nvPr>
+        </p:nvSpPr>
+        <p:spPr/>
+        <p:txBody>
+          <a:bodyPr/>
+          <a:lstStyle/>
+          <a:p>
+            <a:r>
+              <a:rPr lang="en-US" dirty="0" smtClean="0"/>
+              <a:t>3)</a:t>
+            </a:r>
+            <a:r>
+              <a:rPr lang="ru-RU" dirty="0" smtClean="0"/>
+              <a:t> Работаем с </a:t>
+            </a:r>
+            <a:r>
+              <a:rPr lang="ru-RU" dirty="0" err="1" smtClean="0"/>
+              <a:t>репозиториями</a:t>
+            </a:r>
+            <a:endParaRPr lang="ru-RU" dirty="0"/>
+          </a:p>
+        </p:txBody>
+      </p:sp>
+      <p:sp>
+        <p:nvSpPr>
+          <p:cNvPr id="7" name="Объект 6"/>
+          <p:cNvSpPr>
+            <a:spLocks noGrp="1"/>
+          </p:cNvSpPr>
+          <p:nvPr>
+            <p:ph idx="1"/>
+          </p:nvPr>
+        </p:nvSpPr>
+        <p:spPr/>
+        <p:txBody>
+          <a:bodyPr/>
+          <a:lstStyle/>
+          <a:p>
+            <a:pPr marL="0" indent="0">
+              <a:buNone/>
+            </a:pPr>
+            <a:r>
+              <a:rPr lang="ru-RU" dirty="0" smtClean="0"/>
+              <a:t>Добавляем </a:t>
+            </a:r>
+            <a:r>
+              <a:rPr lang="ru-RU" dirty="0" err="1" smtClean="0"/>
+              <a:t>репозиторий</a:t>
+            </a:r>
+            <a:endParaRPr lang="ru-RU" dirty="0"/>
+          </a:p>
+        </p:txBody>
+      </p:sp>
+      <p:pic>
+        <p:nvPicPr>
+          <p:cNvPr id="8" name="Рисунок 7"/>
+          <p:cNvPicPr>
+            <a:picLocks noChangeAspect="1"/>
+          </p:cNvPicPr>
+          <p:nvPr/>
+        </p:nvPicPr>
+        <p:blipFill>
+          <a:blip r:embed="rId2"/>
+          <a:stretch>
+            <a:fillRect/>
+          </a:stretch>
+        </p:blipFill>
+        <p:spPr>
+          <a:xfrm>
+            <a:off x="5037445" y="1825625"/>
+            <a:ext cx="5582429" cy="1086002"/>
+          </a:xfrm>
+          <a:prstGeom prst="rect">
+            <a:avLst/>
+          </a:prstGeom>
+        </p:spPr>
+      </p:pic>
+    </p:spTree>
+    <p:extLst>
+      <p:ext uri="{BB962C8B-B14F-4D97-AF65-F5344CB8AC3E}">
+        <p14:creationId xmlns:p14="http://schemas.microsoft.com/office/powerpoint/2010/main" val="2869299805"/>
       </p:ext>
     </p:extLst>
   </p:cSld>

--- a/report.pptx
+++ b/report.pptx
@@ -8,6 +8,11 @@
     <p:sldId id="257" r:id="rId2"/>
     <p:sldId id="256" r:id="rId3"/>
     <p:sldId id="259" r:id="rId4"/>
+    <p:sldId id="261" r:id="rId5"/>
+    <p:sldId id="262" r:id="rId6"/>
+    <p:sldId id="263" r:id="rId7"/>
+    <p:sldId id="264" r:id="rId8"/>
+    <p:sldId id="260" r:id="rId9"/>
   </p:sldIdLst>
   <p:sldSz cx="12192000" cy="6858000"/>
   <p:notesSz cx="6858000" cy="9144000"/>
@@ -108,7 +113,7 @@
   </p:defaultTextStyle>
   <p:extLst>
     <p:ext uri="{EFAFB233-063F-42B5-8137-9DF3F51BA10A}">
-      <p15:sldGuideLst xmlns:p15="http://schemas.microsoft.com/office/powerpoint/2012/main"/>
+      <p15:sldGuideLst xmlns:p15="http://schemas.microsoft.com/office/powerpoint/2012/main" xmlns=""/>
     </p:ext>
   </p:extLst>
 </p:presentation>
@@ -2996,15 +3001,7 @@
             </a:r>
             <a:r>
               <a:rPr lang="ru-RU" dirty="0" smtClean="0"/>
-              <a:t>работа с </a:t>
-            </a:r>
-            <a:r>
-              <a:rPr lang="ru-RU" dirty="0" smtClean="0"/>
-              <a:t>файловой стру</a:t>
-            </a:r>
-            <a:r>
-              <a:rPr lang="ru-RU" dirty="0" smtClean="0"/>
-              <a:t>ктурой</a:t>
+              <a:t>работа с файловой структурой</a:t>
             </a:r>
             <a:endParaRPr lang="ru-RU" dirty="0"/>
           </a:p>
@@ -3206,7 +3203,99 @@
               <a:rPr lang="ru-RU" dirty="0" err="1" smtClean="0"/>
               <a:t>репозиторий</a:t>
             </a:r>
+            <a:endParaRPr lang="ru-RU" dirty="0" smtClean="0"/>
+          </a:p>
+          <a:p>
+            <a:pPr marL="0" indent="0">
+              <a:buNone/>
+            </a:pPr>
             <a:endParaRPr lang="ru-RU" dirty="0"/>
+          </a:p>
+          <a:p>
+            <a:pPr marL="0" indent="0">
+              <a:buNone/>
+            </a:pPr>
+            <a:endParaRPr lang="ru-RU" dirty="0" smtClean="0"/>
+          </a:p>
+          <a:p>
+            <a:pPr marL="0" indent="0">
+              <a:buNone/>
+            </a:pPr>
+            <a:r>
+              <a:rPr lang="ru-RU" dirty="0" smtClean="0"/>
+              <a:t>….</a:t>
+            </a:r>
+            <a:r>
+              <a:rPr lang="ru-RU" i="1" dirty="0" smtClean="0"/>
+              <a:t>чтобы что?</a:t>
+            </a:r>
+            <a:r>
+              <a:rPr lang="ru-RU" b="1" dirty="0" smtClean="0"/>
+              <a:t> </a:t>
+            </a:r>
+            <a:r>
+              <a:rPr lang="ru-RU" dirty="0" smtClean="0"/>
+              <a:t>в </a:t>
+            </a:r>
+            <a:r>
+              <a:rPr lang="ru-RU" dirty="0" err="1" smtClean="0"/>
+              <a:t>убунту</a:t>
+            </a:r>
+            <a:r>
+              <a:rPr lang="ru-RU" dirty="0" smtClean="0"/>
+              <a:t> даже</a:t>
+            </a:r>
+            <a:br>
+              <a:rPr lang="ru-RU" dirty="0" smtClean="0"/>
+            </a:br>
+            <a:r>
+              <a:rPr lang="ru-RU" dirty="0" smtClean="0"/>
+              <a:t>в минимальном </a:t>
+            </a:r>
+            <a:r>
+              <a:rPr lang="ru-RU" dirty="0" err="1" smtClean="0"/>
+              <a:t>конфиге</a:t>
+            </a:r>
+            <a:r>
+              <a:rPr lang="ru-RU" dirty="0"/>
+              <a:t/>
+            </a:r>
+            <a:br>
+              <a:rPr lang="ru-RU" dirty="0"/>
+            </a:br>
+            <a:r>
+              <a:rPr lang="en-US" dirty="0" err="1" smtClean="0"/>
+              <a:t>mysql</a:t>
+            </a:r>
+            <a:r>
+              <a:rPr lang="en-US" dirty="0" smtClean="0"/>
+              <a:t> </a:t>
+            </a:r>
+            <a:r>
+              <a:rPr lang="ru-RU" dirty="0" smtClean="0"/>
+              <a:t>уже включен. </a:t>
+            </a:r>
+            <a:r>
+              <a:rPr lang="ru-RU" dirty="0" err="1" smtClean="0"/>
+              <a:t>Скрин</a:t>
+            </a:r>
+            <a:r>
+              <a:rPr lang="ru-RU" dirty="0" smtClean="0"/>
+              <a:t> с</a:t>
+            </a:r>
+            <a:br>
+              <a:rPr lang="ru-RU" dirty="0" smtClean="0"/>
+            </a:br>
+            <a:r>
+              <a:rPr lang="ru-RU" dirty="0" smtClean="0"/>
+              <a:t>чистой «минимальной» 2204:</a:t>
+            </a:r>
+          </a:p>
+          <a:p>
+            <a:pPr marL="0" indent="0">
+              <a:buNone/>
+            </a:pPr>
+            <a:endParaRPr lang="ru-RU" b="1" dirty="0"/>
           </a:p>
         </p:txBody>
       </p:sp>
@@ -3234,10 +3323,999 @@
           </a:prstGeom>
         </p:spPr>
       </p:pic>
+      <p:pic>
+        <p:nvPicPr>
+          <p:cNvPr id="2050" name="Picture 2"/>
+          <p:cNvPicPr>
+            <a:picLocks noChangeAspect="1" noChangeArrowheads="1"/>
+          </p:cNvPicPr>
+          <p:nvPr/>
+        </p:nvPicPr>
+        <p:blipFill>
+          <a:blip r:embed="rId3">
+            <a:extLst>
+              <a:ext uri="{28A0092B-C50C-407E-A947-70E740481C1C}">
+                <a14:useLocalDpi xmlns:a14="http://schemas.microsoft.com/office/drawing/2010/main" val="0"/>
+              </a:ext>
+            </a:extLst>
+          </a:blip>
+          <a:srcRect/>
+          <a:stretch>
+            <a:fillRect/>
+          </a:stretch>
+        </p:blipFill>
+        <p:spPr bwMode="auto">
+          <a:xfrm>
+            <a:off x="5836006" y="3059946"/>
+            <a:ext cx="4311877" cy="2032528"/>
+          </a:xfrm>
+          <a:prstGeom prst="rect">
+            <a:avLst/>
+          </a:prstGeom>
+          <a:noFill/>
+          <a:ln>
+            <a:noFill/>
+          </a:ln>
+          <a:effectLst/>
+          <a:extLst>
+            <a:ext uri="{909E8E84-426E-40DD-AFC4-6F175D3DCCD1}">
+              <a14:hiddenFill xmlns:a14="http://schemas.microsoft.com/office/drawing/2010/main">
+                <a:solidFill>
+                  <a:schemeClr val="accent1"/>
+                </a:solidFill>
+              </a14:hiddenFill>
+            </a:ext>
+            <a:ext uri="{91240B29-F687-4F45-9708-019B960494DF}">
+              <a14:hiddenLine xmlns:a14="http://schemas.microsoft.com/office/drawing/2010/main" w="9525">
+                <a:solidFill>
+                  <a:schemeClr val="tx1"/>
+                </a:solidFill>
+                <a:miter lim="800000"/>
+                <a:headEnd/>
+                <a:tailEnd/>
+              </a14:hiddenLine>
+            </a:ext>
+            <a:ext uri="{AF507438-7753-43E0-B8FC-AC1667EBCBE1}">
+              <a14:hiddenEffects xmlns:a14="http://schemas.microsoft.com/office/drawing/2010/main">
+                <a:effectLst>
+                  <a:outerShdw dist="35921" dir="2700000" algn="ctr" rotWithShape="0">
+                    <a:schemeClr val="bg2"/>
+                  </a:outerShdw>
+                </a:effectLst>
+              </a14:hiddenEffects>
+            </a:ext>
+          </a:extLst>
+        </p:spPr>
+      </p:pic>
     </p:spTree>
     <p:extLst>
       <p:ext uri="{BB962C8B-B14F-4D97-AF65-F5344CB8AC3E}">
         <p14:creationId xmlns:p14="http://schemas.microsoft.com/office/powerpoint/2010/main" val="2869299805"/>
+      </p:ext>
+    </p:extLst>
+  </p:cSld>
+  <p:clrMapOvr>
+    <a:masterClrMapping/>
+  </p:clrMapOvr>
+</p:sld>
+</file>
+
+<file path=ppt/slides/slide4.xml><?xml version="1.0" encoding="utf-8"?>
+<p:sld xmlns:a="http://schemas.openxmlformats.org/drawingml/2006/main" xmlns:r="http://schemas.openxmlformats.org/officeDocument/2006/relationships" xmlns:p="http://schemas.openxmlformats.org/presentationml/2006/main">
+  <p:cSld>
+    <p:spTree>
+      <p:nvGrpSpPr>
+        <p:cNvPr id="1" name=""/>
+        <p:cNvGrpSpPr/>
+        <p:nvPr/>
+      </p:nvGrpSpPr>
+      <p:grpSpPr>
+        <a:xfrm>
+          <a:off x="0" y="0"/>
+          <a:ext cx="0" cy="0"/>
+          <a:chOff x="0" y="0"/>
+          <a:chExt cx="0" cy="0"/>
+        </a:xfrm>
+      </p:grpSpPr>
+      <p:sp>
+        <p:nvSpPr>
+          <p:cNvPr id="2" name="Заголовок 1"/>
+          <p:cNvSpPr>
+            <a:spLocks noGrp="1"/>
+          </p:cNvSpPr>
+          <p:nvPr>
+            <p:ph type="title"/>
+          </p:nvPr>
+        </p:nvSpPr>
+        <p:spPr/>
+        <p:txBody>
+          <a:bodyPr/>
+          <a:lstStyle/>
+          <a:p>
+            <a:r>
+              <a:rPr lang="ru-RU" dirty="0" smtClean="0"/>
+              <a:t>3.1) устанавливаем пакет из </a:t>
+            </a:r>
+            <a:r>
+              <a:rPr lang="ru-RU" dirty="0" err="1" smtClean="0"/>
+              <a:t>репозитория</a:t>
+            </a:r>
+            <a:r>
+              <a:rPr lang="ru-RU" dirty="0" smtClean="0"/>
+              <a:t/>
+            </a:r>
+            <a:br>
+              <a:rPr lang="ru-RU" dirty="0" smtClean="0"/>
+            </a:br>
+            <a:r>
+              <a:rPr lang="en-US" dirty="0" err="1" smtClean="0"/>
+              <a:t>mysql</a:t>
+            </a:r>
+            <a:r>
+              <a:rPr lang="ru-RU" dirty="0" smtClean="0"/>
+              <a:t> </a:t>
+            </a:r>
+            <a:endParaRPr lang="ru-RU" dirty="0"/>
+          </a:p>
+        </p:txBody>
+      </p:sp>
+      <p:sp>
+        <p:nvSpPr>
+          <p:cNvPr id="3" name="Объект 2"/>
+          <p:cNvSpPr>
+            <a:spLocks noGrp="1"/>
+          </p:cNvSpPr>
+          <p:nvPr>
+            <p:ph idx="1"/>
+          </p:nvPr>
+        </p:nvSpPr>
+        <p:spPr/>
+        <p:txBody>
+          <a:bodyPr/>
+          <a:lstStyle/>
+          <a:p>
+            <a:r>
+              <a:rPr lang="ru-RU" dirty="0" smtClean="0"/>
+              <a:t>до:</a:t>
+            </a:r>
+          </a:p>
+          <a:p>
+            <a:endParaRPr lang="ru-RU" dirty="0"/>
+          </a:p>
+          <a:p>
+            <a:endParaRPr lang="ru-RU" dirty="0" smtClean="0"/>
+          </a:p>
+          <a:p>
+            <a:r>
+              <a:rPr lang="ru-RU" dirty="0" smtClean="0"/>
+              <a:t>после:</a:t>
+            </a:r>
+            <a:endParaRPr lang="ru-RU" dirty="0"/>
+          </a:p>
+        </p:txBody>
+      </p:sp>
+      <p:pic>
+        <p:nvPicPr>
+          <p:cNvPr id="3074" name="Picture 2"/>
+          <p:cNvPicPr>
+            <a:picLocks noChangeAspect="1" noChangeArrowheads="1"/>
+          </p:cNvPicPr>
+          <p:nvPr/>
+        </p:nvPicPr>
+        <p:blipFill>
+          <a:blip r:embed="rId2">
+            <a:extLst>
+              <a:ext uri="{28A0092B-C50C-407E-A947-70E740481C1C}">
+                <a14:useLocalDpi xmlns:a14="http://schemas.microsoft.com/office/drawing/2010/main" val="0"/>
+              </a:ext>
+            </a:extLst>
+          </a:blip>
+          <a:srcRect/>
+          <a:stretch>
+            <a:fillRect/>
+          </a:stretch>
+        </p:blipFill>
+        <p:spPr bwMode="auto">
+          <a:xfrm>
+            <a:off x="2448152" y="1660752"/>
+            <a:ext cx="7078662" cy="1038225"/>
+          </a:xfrm>
+          <a:prstGeom prst="rect">
+            <a:avLst/>
+          </a:prstGeom>
+          <a:noFill/>
+          <a:ln>
+            <a:noFill/>
+          </a:ln>
+          <a:effectLst/>
+          <a:extLst>
+            <a:ext uri="{909E8E84-426E-40DD-AFC4-6F175D3DCCD1}">
+              <a14:hiddenFill xmlns:a14="http://schemas.microsoft.com/office/drawing/2010/main">
+                <a:solidFill>
+                  <a:schemeClr val="accent1"/>
+                </a:solidFill>
+              </a14:hiddenFill>
+            </a:ext>
+            <a:ext uri="{91240B29-F687-4F45-9708-019B960494DF}">
+              <a14:hiddenLine xmlns:a14="http://schemas.microsoft.com/office/drawing/2010/main" w="9525">
+                <a:solidFill>
+                  <a:schemeClr val="tx1"/>
+                </a:solidFill>
+                <a:miter lim="800000"/>
+                <a:headEnd/>
+                <a:tailEnd/>
+              </a14:hiddenLine>
+            </a:ext>
+            <a:ext uri="{AF507438-7753-43E0-B8FC-AC1667EBCBE1}">
+              <a14:hiddenEffects xmlns:a14="http://schemas.microsoft.com/office/drawing/2010/main">
+                <a:effectLst>
+                  <a:outerShdw dist="35921" dir="2700000" algn="ctr" rotWithShape="0">
+                    <a:schemeClr val="bg2"/>
+                  </a:outerShdw>
+                </a:effectLst>
+              </a14:hiddenEffects>
+            </a:ext>
+          </a:extLst>
+        </p:spPr>
+      </p:pic>
+      <p:pic>
+        <p:nvPicPr>
+          <p:cNvPr id="3075" name="Picture 3"/>
+          <p:cNvPicPr>
+            <a:picLocks noChangeAspect="1" noChangeArrowheads="1"/>
+          </p:cNvPicPr>
+          <p:nvPr/>
+        </p:nvPicPr>
+        <p:blipFill>
+          <a:blip r:embed="rId3">
+            <a:extLst>
+              <a:ext uri="{28A0092B-C50C-407E-A947-70E740481C1C}">
+                <a14:useLocalDpi xmlns:a14="http://schemas.microsoft.com/office/drawing/2010/main" val="0"/>
+              </a:ext>
+            </a:extLst>
+          </a:blip>
+          <a:srcRect/>
+          <a:stretch>
+            <a:fillRect/>
+          </a:stretch>
+        </p:blipFill>
+        <p:spPr bwMode="auto">
+          <a:xfrm>
+            <a:off x="2531383" y="3333070"/>
+            <a:ext cx="5362575" cy="828675"/>
+          </a:xfrm>
+          <a:prstGeom prst="rect">
+            <a:avLst/>
+          </a:prstGeom>
+          <a:noFill/>
+          <a:ln>
+            <a:noFill/>
+          </a:ln>
+          <a:effectLst/>
+          <a:extLst>
+            <a:ext uri="{909E8E84-426E-40DD-AFC4-6F175D3DCCD1}">
+              <a14:hiddenFill xmlns:a14="http://schemas.microsoft.com/office/drawing/2010/main">
+                <a:solidFill>
+                  <a:schemeClr val="accent1"/>
+                </a:solidFill>
+              </a14:hiddenFill>
+            </a:ext>
+            <a:ext uri="{91240B29-F687-4F45-9708-019B960494DF}">
+              <a14:hiddenLine xmlns:a14="http://schemas.microsoft.com/office/drawing/2010/main" w="9525">
+                <a:solidFill>
+                  <a:schemeClr val="tx1"/>
+                </a:solidFill>
+                <a:miter lim="800000"/>
+                <a:headEnd/>
+                <a:tailEnd/>
+              </a14:hiddenLine>
+            </a:ext>
+            <a:ext uri="{AF507438-7753-43E0-B8FC-AC1667EBCBE1}">
+              <a14:hiddenEffects xmlns:a14="http://schemas.microsoft.com/office/drawing/2010/main">
+                <a:effectLst>
+                  <a:outerShdw dist="35921" dir="2700000" algn="ctr" rotWithShape="0">
+                    <a:schemeClr val="bg2"/>
+                  </a:outerShdw>
+                </a:effectLst>
+              </a14:hiddenEffects>
+            </a:ext>
+          </a:extLst>
+        </p:spPr>
+      </p:pic>
+    </p:spTree>
+    <p:extLst>
+      <p:ext uri="{BB962C8B-B14F-4D97-AF65-F5344CB8AC3E}">
+        <p14:creationId xmlns:p14="http://schemas.microsoft.com/office/powerpoint/2010/main" val="1192362566"/>
+      </p:ext>
+    </p:extLst>
+  </p:cSld>
+  <p:clrMapOvr>
+    <a:masterClrMapping/>
+  </p:clrMapOvr>
+</p:sld>
+</file>
+
+<file path=ppt/slides/slide5.xml><?xml version="1.0" encoding="utf-8"?>
+<p:sld xmlns:a="http://schemas.openxmlformats.org/drawingml/2006/main" xmlns:r="http://schemas.openxmlformats.org/officeDocument/2006/relationships" xmlns:p="http://schemas.openxmlformats.org/presentationml/2006/main">
+  <p:cSld>
+    <p:spTree>
+      <p:nvGrpSpPr>
+        <p:cNvPr id="1" name=""/>
+        <p:cNvGrpSpPr/>
+        <p:nvPr/>
+      </p:nvGrpSpPr>
+      <p:grpSpPr>
+        <a:xfrm>
+          <a:off x="0" y="0"/>
+          <a:ext cx="0" cy="0"/>
+          <a:chOff x="0" y="0"/>
+          <a:chExt cx="0" cy="0"/>
+        </a:xfrm>
+      </p:grpSpPr>
+      <p:sp>
+        <p:nvSpPr>
+          <p:cNvPr id="2" name="Заголовок 1"/>
+          <p:cNvSpPr>
+            <a:spLocks noGrp="1"/>
+          </p:cNvSpPr>
+          <p:nvPr>
+            <p:ph type="title"/>
+          </p:nvPr>
+        </p:nvSpPr>
+        <p:spPr/>
+        <p:txBody>
+          <a:bodyPr/>
+          <a:lstStyle/>
+          <a:p>
+            <a:r>
+              <a:rPr lang="en-US" dirty="0" smtClean="0"/>
+              <a:t>4) </a:t>
+            </a:r>
+            <a:r>
+              <a:rPr lang="en-US" dirty="0" err="1" smtClean="0"/>
+              <a:t>Dpkg</a:t>
+            </a:r>
+            <a:r>
+              <a:rPr lang="en-US" dirty="0" smtClean="0"/>
+              <a:t> –</a:t>
+            </a:r>
+            <a:r>
+              <a:rPr lang="en-US" sz="3600" dirty="0" smtClean="0"/>
+              <a:t> </a:t>
+            </a:r>
+            <a:r>
+              <a:rPr lang="ru-RU" sz="3600" dirty="0" smtClean="0"/>
+              <a:t>низкоуровневая реализация </a:t>
+            </a:r>
+            <a:r>
+              <a:rPr lang="en-US" sz="3600" dirty="0" smtClean="0"/>
+              <a:t>apt %)</a:t>
+            </a:r>
+            <a:endParaRPr lang="ru-RU" dirty="0"/>
+          </a:p>
+        </p:txBody>
+      </p:sp>
+      <p:sp>
+        <p:nvSpPr>
+          <p:cNvPr id="3" name="Объект 2"/>
+          <p:cNvSpPr>
+            <a:spLocks noGrp="1"/>
+          </p:cNvSpPr>
+          <p:nvPr>
+            <p:ph idx="1"/>
+          </p:nvPr>
+        </p:nvSpPr>
+        <p:spPr/>
+        <p:txBody>
+          <a:bodyPr/>
+          <a:lstStyle/>
+          <a:p>
+            <a:r>
+              <a:rPr lang="en-US" dirty="0" err="1"/>
+              <a:t>wget</a:t>
+            </a:r>
+            <a:r>
+              <a:rPr lang="en-US" dirty="0"/>
+              <a:t> https://nginx.org/packages/ubuntu/pool/nginx/n/nginx/nginx_1.20.2-1~jammy_amd64.deb</a:t>
+            </a:r>
+            <a:r>
+              <a:rPr lang="ru-RU" dirty="0"/>
+              <a:t/>
+            </a:r>
+            <a:br>
+              <a:rPr lang="ru-RU" dirty="0"/>
+            </a:br>
+            <a:r>
+              <a:rPr lang="ru-RU" sz="2400" i="1" dirty="0" smtClean="0"/>
+              <a:t>потому что надо файл где-то сначала взять</a:t>
+            </a:r>
+            <a:r>
+              <a:rPr lang="ru-RU" i="1" dirty="0" smtClean="0"/>
+              <a:t>.</a:t>
+            </a:r>
+            <a:endParaRPr lang="en-US" i="1" dirty="0" smtClean="0"/>
+          </a:p>
+          <a:p>
+            <a:r>
+              <a:rPr lang="en-US" sz="2400" i="1" dirty="0" err="1"/>
+              <a:t>dpkg</a:t>
+            </a:r>
+            <a:r>
+              <a:rPr lang="en-US" sz="2400" i="1" dirty="0"/>
+              <a:t> --install nginx_1.20.2-1~jammy_amd64.deb</a:t>
+            </a:r>
+            <a:endParaRPr lang="en-US" sz="2400" i="1" dirty="0" smtClean="0"/>
+          </a:p>
+        </p:txBody>
+      </p:sp>
+      <p:pic>
+        <p:nvPicPr>
+          <p:cNvPr id="4099" name="Picture 3"/>
+          <p:cNvPicPr>
+            <a:picLocks noChangeAspect="1" noChangeArrowheads="1"/>
+          </p:cNvPicPr>
+          <p:nvPr/>
+        </p:nvPicPr>
+        <p:blipFill>
+          <a:blip r:embed="rId2">
+            <a:extLst>
+              <a:ext uri="{28A0092B-C50C-407E-A947-70E740481C1C}">
+                <a14:useLocalDpi xmlns:a14="http://schemas.microsoft.com/office/drawing/2010/main" val="0"/>
+              </a:ext>
+            </a:extLst>
+          </a:blip>
+          <a:srcRect/>
+          <a:stretch>
+            <a:fillRect/>
+          </a:stretch>
+        </p:blipFill>
+        <p:spPr bwMode="auto">
+          <a:xfrm>
+            <a:off x="1128033" y="4202561"/>
+            <a:ext cx="4867275" cy="371475"/>
+          </a:xfrm>
+          <a:prstGeom prst="rect">
+            <a:avLst/>
+          </a:prstGeom>
+          <a:noFill/>
+          <a:ln>
+            <a:noFill/>
+          </a:ln>
+          <a:effectLst/>
+          <a:extLst>
+            <a:ext uri="{909E8E84-426E-40DD-AFC4-6F175D3DCCD1}">
+              <a14:hiddenFill xmlns:a14="http://schemas.microsoft.com/office/drawing/2010/main">
+                <a:solidFill>
+                  <a:schemeClr val="accent1"/>
+                </a:solidFill>
+              </a14:hiddenFill>
+            </a:ext>
+            <a:ext uri="{91240B29-F687-4F45-9708-019B960494DF}">
+              <a14:hiddenLine xmlns:a14="http://schemas.microsoft.com/office/drawing/2010/main" w="9525">
+                <a:solidFill>
+                  <a:schemeClr val="tx1"/>
+                </a:solidFill>
+                <a:miter lim="800000"/>
+                <a:headEnd/>
+                <a:tailEnd/>
+              </a14:hiddenLine>
+            </a:ext>
+            <a:ext uri="{AF507438-7753-43E0-B8FC-AC1667EBCBE1}">
+              <a14:hiddenEffects xmlns:a14="http://schemas.microsoft.com/office/drawing/2010/main">
+                <a:effectLst>
+                  <a:outerShdw dist="35921" dir="2700000" algn="ctr" rotWithShape="0">
+                    <a:schemeClr val="bg2"/>
+                  </a:outerShdw>
+                </a:effectLst>
+              </a14:hiddenEffects>
+            </a:ext>
+          </a:extLst>
+        </p:spPr>
+      </p:pic>
+    </p:spTree>
+    <p:extLst>
+      <p:ext uri="{BB962C8B-B14F-4D97-AF65-F5344CB8AC3E}">
+        <p14:creationId xmlns:p14="http://schemas.microsoft.com/office/powerpoint/2010/main" val="3804302359"/>
+      </p:ext>
+    </p:extLst>
+  </p:cSld>
+  <p:clrMapOvr>
+    <a:masterClrMapping/>
+  </p:clrMapOvr>
+</p:sld>
+</file>
+
+<file path=ppt/slides/slide6.xml><?xml version="1.0" encoding="utf-8"?>
+<p:sld xmlns:a="http://schemas.openxmlformats.org/drawingml/2006/main" xmlns:r="http://schemas.openxmlformats.org/officeDocument/2006/relationships" xmlns:p="http://schemas.openxmlformats.org/presentationml/2006/main">
+  <p:cSld>
+    <p:spTree>
+      <p:nvGrpSpPr>
+        <p:cNvPr id="1" name=""/>
+        <p:cNvGrpSpPr/>
+        <p:nvPr/>
+      </p:nvGrpSpPr>
+      <p:grpSpPr>
+        <a:xfrm>
+          <a:off x="0" y="0"/>
+          <a:ext cx="0" cy="0"/>
+          <a:chOff x="0" y="0"/>
+          <a:chExt cx="0" cy="0"/>
+        </a:xfrm>
+      </p:grpSpPr>
+      <p:sp>
+        <p:nvSpPr>
+          <p:cNvPr id="2" name="Заголовок 1"/>
+          <p:cNvSpPr>
+            <a:spLocks noGrp="1"/>
+          </p:cNvSpPr>
+          <p:nvPr>
+            <p:ph type="title"/>
+          </p:nvPr>
+        </p:nvSpPr>
+        <p:spPr/>
+        <p:txBody>
+          <a:bodyPr/>
+          <a:lstStyle/>
+          <a:p>
+            <a:r>
+              <a:rPr lang="en-US" dirty="0" smtClean="0"/>
+              <a:t>4.1) </a:t>
+            </a:r>
+            <a:r>
+              <a:rPr lang="ru-RU" dirty="0" smtClean="0"/>
+              <a:t>Удаляем пакет </a:t>
+            </a:r>
+            <a:r>
+              <a:rPr lang="en-US" dirty="0" err="1" smtClean="0"/>
+              <a:t>dpkg</a:t>
+            </a:r>
+            <a:endParaRPr lang="ru-RU" dirty="0"/>
+          </a:p>
+        </p:txBody>
+      </p:sp>
+      <p:sp>
+        <p:nvSpPr>
+          <p:cNvPr id="3" name="Объект 2"/>
+          <p:cNvSpPr>
+            <a:spLocks noGrp="1"/>
+          </p:cNvSpPr>
+          <p:nvPr>
+            <p:ph idx="1"/>
+          </p:nvPr>
+        </p:nvSpPr>
+        <p:spPr/>
+        <p:txBody>
+          <a:bodyPr/>
+          <a:lstStyle/>
+          <a:p>
+            <a:pPr marL="0" indent="0">
+              <a:buNone/>
+            </a:pPr>
+            <a:r>
+              <a:rPr lang="ru-RU" dirty="0" smtClean="0"/>
+              <a:t>Добро пожаловать в </a:t>
+            </a:r>
+            <a:r>
+              <a:rPr lang="ru-RU" dirty="0" err="1" smtClean="0"/>
+              <a:t>низкоуровневость</a:t>
+            </a:r>
+            <a:r>
+              <a:rPr lang="ru-RU" dirty="0" smtClean="0"/>
+              <a:t>:</a:t>
+            </a:r>
+            <a:br>
+              <a:rPr lang="ru-RU" dirty="0" smtClean="0"/>
+            </a:br>
+            <a:r>
+              <a:rPr lang="ru-RU" dirty="0" smtClean="0"/>
+              <a:t> сразу удалить не получается,</a:t>
+            </a:r>
+            <a:br>
+              <a:rPr lang="ru-RU" dirty="0" smtClean="0"/>
+            </a:br>
+            <a:r>
+              <a:rPr lang="ru-RU" dirty="0" smtClean="0"/>
+              <a:t> потому что есть зависимость</a:t>
+            </a:r>
+          </a:p>
+          <a:p>
+            <a:pPr marL="0" indent="0">
+              <a:buNone/>
+            </a:pPr>
+            <a:endParaRPr lang="ru-RU" dirty="0"/>
+          </a:p>
+          <a:p>
+            <a:pPr marL="0" indent="0">
+              <a:buNone/>
+            </a:pPr>
+            <a:r>
+              <a:rPr lang="ru-RU" dirty="0" smtClean="0"/>
+              <a:t>…так что сначала удаляем зависимости, а потом и пакет.</a:t>
+            </a:r>
+            <a:endParaRPr lang="en-US" dirty="0" smtClean="0"/>
+          </a:p>
+          <a:p>
+            <a:pPr marL="0" indent="0">
+              <a:buNone/>
+            </a:pPr>
+            <a:endParaRPr lang="ru-RU" dirty="0" smtClean="0"/>
+          </a:p>
+        </p:txBody>
+      </p:sp>
+      <p:pic>
+        <p:nvPicPr>
+          <p:cNvPr id="5122" name="Picture 2"/>
+          <p:cNvPicPr>
+            <a:picLocks noChangeAspect="1" noChangeArrowheads="1"/>
+          </p:cNvPicPr>
+          <p:nvPr/>
+        </p:nvPicPr>
+        <p:blipFill>
+          <a:blip r:embed="rId2">
+            <a:extLst>
+              <a:ext uri="{28A0092B-C50C-407E-A947-70E740481C1C}">
+                <a14:useLocalDpi xmlns:a14="http://schemas.microsoft.com/office/drawing/2010/main" val="0"/>
+              </a:ext>
+            </a:extLst>
+          </a:blip>
+          <a:srcRect/>
+          <a:stretch>
+            <a:fillRect/>
+          </a:stretch>
+        </p:blipFill>
+        <p:spPr bwMode="auto">
+          <a:xfrm>
+            <a:off x="5797551" y="2248192"/>
+            <a:ext cx="5118099" cy="1138625"/>
+          </a:xfrm>
+          <a:prstGeom prst="rect">
+            <a:avLst/>
+          </a:prstGeom>
+          <a:noFill/>
+          <a:ln>
+            <a:noFill/>
+          </a:ln>
+          <a:effectLst/>
+          <a:extLst>
+            <a:ext uri="{909E8E84-426E-40DD-AFC4-6F175D3DCCD1}">
+              <a14:hiddenFill xmlns:a14="http://schemas.microsoft.com/office/drawing/2010/main">
+                <a:solidFill>
+                  <a:schemeClr val="accent1"/>
+                </a:solidFill>
+              </a14:hiddenFill>
+            </a:ext>
+            <a:ext uri="{91240B29-F687-4F45-9708-019B960494DF}">
+              <a14:hiddenLine xmlns:a14="http://schemas.microsoft.com/office/drawing/2010/main" w="9525">
+                <a:solidFill>
+                  <a:schemeClr val="tx1"/>
+                </a:solidFill>
+                <a:miter lim="800000"/>
+                <a:headEnd/>
+                <a:tailEnd/>
+              </a14:hiddenLine>
+            </a:ext>
+            <a:ext uri="{AF507438-7753-43E0-B8FC-AC1667EBCBE1}">
+              <a14:hiddenEffects xmlns:a14="http://schemas.microsoft.com/office/drawing/2010/main">
+                <a:effectLst>
+                  <a:outerShdw dist="35921" dir="2700000" algn="ctr" rotWithShape="0">
+                    <a:schemeClr val="bg2"/>
+                  </a:outerShdw>
+                </a:effectLst>
+              </a14:hiddenEffects>
+            </a:ext>
+          </a:extLst>
+        </p:spPr>
+      </p:pic>
+      <p:pic>
+        <p:nvPicPr>
+          <p:cNvPr id="5123" name="Picture 3"/>
+          <p:cNvPicPr>
+            <a:picLocks noChangeAspect="1" noChangeArrowheads="1"/>
+          </p:cNvPicPr>
+          <p:nvPr/>
+        </p:nvPicPr>
+        <p:blipFill>
+          <a:blip r:embed="rId3">
+            <a:extLst>
+              <a:ext uri="{28A0092B-C50C-407E-A947-70E740481C1C}">
+                <a14:useLocalDpi xmlns:a14="http://schemas.microsoft.com/office/drawing/2010/main" val="0"/>
+              </a:ext>
+            </a:extLst>
+          </a:blip>
+          <a:srcRect/>
+          <a:stretch>
+            <a:fillRect/>
+          </a:stretch>
+        </p:blipFill>
+        <p:spPr bwMode="auto">
+          <a:xfrm>
+            <a:off x="1011917" y="4170589"/>
+            <a:ext cx="8955088" cy="1619250"/>
+          </a:xfrm>
+          <a:prstGeom prst="rect">
+            <a:avLst/>
+          </a:prstGeom>
+          <a:noFill/>
+          <a:ln>
+            <a:noFill/>
+          </a:ln>
+          <a:effectLst/>
+          <a:extLst>
+            <a:ext uri="{909E8E84-426E-40DD-AFC4-6F175D3DCCD1}">
+              <a14:hiddenFill xmlns:a14="http://schemas.microsoft.com/office/drawing/2010/main">
+                <a:solidFill>
+                  <a:schemeClr val="accent1"/>
+                </a:solidFill>
+              </a14:hiddenFill>
+            </a:ext>
+            <a:ext uri="{91240B29-F687-4F45-9708-019B960494DF}">
+              <a14:hiddenLine xmlns:a14="http://schemas.microsoft.com/office/drawing/2010/main" w="9525">
+                <a:solidFill>
+                  <a:schemeClr val="tx1"/>
+                </a:solidFill>
+                <a:miter lim="800000"/>
+                <a:headEnd/>
+                <a:tailEnd/>
+              </a14:hiddenLine>
+            </a:ext>
+            <a:ext uri="{AF507438-7753-43E0-B8FC-AC1667EBCBE1}">
+              <a14:hiddenEffects xmlns:a14="http://schemas.microsoft.com/office/drawing/2010/main">
+                <a:effectLst>
+                  <a:outerShdw dist="35921" dir="2700000" algn="ctr" rotWithShape="0">
+                    <a:schemeClr val="bg2"/>
+                  </a:outerShdw>
+                </a:effectLst>
+              </a14:hiddenEffects>
+            </a:ext>
+          </a:extLst>
+        </p:spPr>
+      </p:pic>
+    </p:spTree>
+    <p:extLst>
+      <p:ext uri="{BB962C8B-B14F-4D97-AF65-F5344CB8AC3E}">
+        <p14:creationId xmlns:p14="http://schemas.microsoft.com/office/powerpoint/2010/main" val="3084845986"/>
+      </p:ext>
+    </p:extLst>
+  </p:cSld>
+  <p:clrMapOvr>
+    <a:masterClrMapping/>
+  </p:clrMapOvr>
+</p:sld>
+</file>
+
+<file path=ppt/slides/slide7.xml><?xml version="1.0" encoding="utf-8"?>
+<p:sld xmlns:a="http://schemas.openxmlformats.org/drawingml/2006/main" xmlns:r="http://schemas.openxmlformats.org/officeDocument/2006/relationships" xmlns:p="http://schemas.openxmlformats.org/presentationml/2006/main">
+  <p:cSld>
+    <p:spTree>
+      <p:nvGrpSpPr>
+        <p:cNvPr id="1" name=""/>
+        <p:cNvGrpSpPr/>
+        <p:nvPr/>
+      </p:nvGrpSpPr>
+      <p:grpSpPr>
+        <a:xfrm>
+          <a:off x="0" y="0"/>
+          <a:ext cx="0" cy="0"/>
+          <a:chOff x="0" y="0"/>
+          <a:chExt cx="0" cy="0"/>
+        </a:xfrm>
+      </p:grpSpPr>
+      <p:sp>
+        <p:nvSpPr>
+          <p:cNvPr id="2" name="Заголовок 1"/>
+          <p:cNvSpPr>
+            <a:spLocks noGrp="1"/>
+          </p:cNvSpPr>
+          <p:nvPr>
+            <p:ph type="title"/>
+          </p:nvPr>
+        </p:nvSpPr>
+        <p:spPr/>
+        <p:txBody>
+          <a:bodyPr/>
+          <a:lstStyle/>
+          <a:p>
+            <a:r>
+              <a:rPr lang="en-US" dirty="0" smtClean="0"/>
+              <a:t>5) </a:t>
+            </a:r>
+            <a:r>
+              <a:rPr lang="ru-RU" dirty="0" smtClean="0"/>
+              <a:t>Историю команд?</a:t>
+            </a:r>
+            <a:endParaRPr lang="ru-RU" dirty="0"/>
+          </a:p>
+        </p:txBody>
+      </p:sp>
+      <p:pic>
+        <p:nvPicPr>
+          <p:cNvPr id="6146" name="Picture 2"/>
+          <p:cNvPicPr>
+            <a:picLocks noGrp="1" noChangeAspect="1" noChangeArrowheads="1"/>
+          </p:cNvPicPr>
+          <p:nvPr>
+            <p:ph idx="1"/>
+          </p:nvPr>
+        </p:nvPicPr>
+        <p:blipFill>
+          <a:blip r:embed="rId2">
+            <a:extLst>
+              <a:ext uri="{28A0092B-C50C-407E-A947-70E740481C1C}">
+                <a14:useLocalDpi xmlns:a14="http://schemas.microsoft.com/office/drawing/2010/main" val="0"/>
+              </a:ext>
+            </a:extLst>
+          </a:blip>
+          <a:srcRect/>
+          <a:stretch>
+            <a:fillRect/>
+          </a:stretch>
+        </p:blipFill>
+        <p:spPr bwMode="auto">
+          <a:xfrm>
+            <a:off x="2938022" y="1857870"/>
+            <a:ext cx="6315956" cy="4286848"/>
+          </a:xfrm>
+          <a:prstGeom prst="rect">
+            <a:avLst/>
+          </a:prstGeom>
+          <a:noFill/>
+          <a:ln>
+            <a:noFill/>
+          </a:ln>
+          <a:effectLst/>
+          <a:extLst>
+            <a:ext uri="{909E8E84-426E-40DD-AFC4-6F175D3DCCD1}">
+              <a14:hiddenFill xmlns:a14="http://schemas.microsoft.com/office/drawing/2010/main">
+                <a:solidFill>
+                  <a:schemeClr val="accent1"/>
+                </a:solidFill>
+              </a14:hiddenFill>
+            </a:ext>
+            <a:ext uri="{91240B29-F687-4F45-9708-019B960494DF}">
+              <a14:hiddenLine xmlns:a14="http://schemas.microsoft.com/office/drawing/2010/main" w="9525">
+                <a:solidFill>
+                  <a:schemeClr val="tx1"/>
+                </a:solidFill>
+                <a:miter lim="800000"/>
+                <a:headEnd/>
+                <a:tailEnd/>
+              </a14:hiddenLine>
+            </a:ext>
+            <a:ext uri="{AF507438-7753-43E0-B8FC-AC1667EBCBE1}">
+              <a14:hiddenEffects xmlns:a14="http://schemas.microsoft.com/office/drawing/2010/main">
+                <a:effectLst>
+                  <a:outerShdw dist="35921" dir="2700000" algn="ctr" rotWithShape="0">
+                    <a:schemeClr val="bg2"/>
+                  </a:outerShdw>
+                </a:effectLst>
+              </a14:hiddenEffects>
+            </a:ext>
+          </a:extLst>
+        </p:spPr>
+      </p:pic>
+    </p:spTree>
+    <p:extLst>
+      <p:ext uri="{BB962C8B-B14F-4D97-AF65-F5344CB8AC3E}">
+        <p14:creationId xmlns:p14="http://schemas.microsoft.com/office/powerpoint/2010/main" val="1389762680"/>
+      </p:ext>
+    </p:extLst>
+  </p:cSld>
+  <p:clrMapOvr>
+    <a:masterClrMapping/>
+  </p:clrMapOvr>
+</p:sld>
+</file>
+
+<file path=ppt/slides/slide8.xml><?xml version="1.0" encoding="utf-8"?>
+<p:sld xmlns:a="http://schemas.openxmlformats.org/drawingml/2006/main" xmlns:r="http://schemas.openxmlformats.org/officeDocument/2006/relationships" xmlns:p="http://schemas.openxmlformats.org/presentationml/2006/main">
+  <p:cSld>
+    <p:spTree>
+      <p:nvGrpSpPr>
+        <p:cNvPr id="1" name=""/>
+        <p:cNvGrpSpPr/>
+        <p:nvPr/>
+      </p:nvGrpSpPr>
+      <p:grpSpPr>
+        <a:xfrm>
+          <a:off x="0" y="0"/>
+          <a:ext cx="0" cy="0"/>
+          <a:chOff x="0" y="0"/>
+          <a:chExt cx="0" cy="0"/>
+        </a:xfrm>
+      </p:grpSpPr>
+      <p:sp>
+        <p:nvSpPr>
+          <p:cNvPr id="2" name="Заголовок 1"/>
+          <p:cNvSpPr>
+            <a:spLocks noGrp="1"/>
+          </p:cNvSpPr>
+          <p:nvPr>
+            <p:ph type="title"/>
+          </p:nvPr>
+        </p:nvSpPr>
+        <p:spPr/>
+        <p:txBody>
+          <a:bodyPr/>
+          <a:lstStyle/>
+          <a:p>
+            <a:r>
+              <a:rPr lang="ru-RU" dirty="0" smtClean="0"/>
+              <a:t>Блок-схема</a:t>
+            </a:r>
+            <a:endParaRPr lang="ru-RU" dirty="0"/>
+          </a:p>
+        </p:txBody>
+      </p:sp>
+      <p:pic>
+        <p:nvPicPr>
+          <p:cNvPr id="1026" name="Picture 2"/>
+          <p:cNvPicPr>
+            <a:picLocks noGrp="1" noChangeAspect="1" noChangeArrowheads="1"/>
+          </p:cNvPicPr>
+          <p:nvPr>
+            <p:ph idx="1"/>
+          </p:nvPr>
+        </p:nvPicPr>
+        <p:blipFill>
+          <a:blip r:embed="rId2">
+            <a:extLst>
+              <a:ext uri="{28A0092B-C50C-407E-A947-70E740481C1C}">
+                <a14:useLocalDpi xmlns:a14="http://schemas.microsoft.com/office/drawing/2010/main" val="0"/>
+              </a:ext>
+            </a:extLst>
+          </a:blip>
+          <a:srcRect/>
+          <a:stretch>
+            <a:fillRect/>
+          </a:stretch>
+        </p:blipFill>
+        <p:spPr bwMode="auto">
+          <a:xfrm>
+            <a:off x="1718651" y="2010291"/>
+            <a:ext cx="8754697" cy="3982006"/>
+          </a:xfrm>
+          <a:prstGeom prst="rect">
+            <a:avLst/>
+          </a:prstGeom>
+          <a:noFill/>
+          <a:ln>
+            <a:noFill/>
+          </a:ln>
+          <a:effectLst/>
+          <a:extLst>
+            <a:ext uri="{909E8E84-426E-40DD-AFC4-6F175D3DCCD1}">
+              <a14:hiddenFill xmlns:a14="http://schemas.microsoft.com/office/drawing/2010/main">
+                <a:solidFill>
+                  <a:schemeClr val="accent1"/>
+                </a:solidFill>
+              </a14:hiddenFill>
+            </a:ext>
+            <a:ext uri="{91240B29-F687-4F45-9708-019B960494DF}">
+              <a14:hiddenLine xmlns:a14="http://schemas.microsoft.com/office/drawing/2010/main" w="9525">
+                <a:solidFill>
+                  <a:schemeClr val="tx1"/>
+                </a:solidFill>
+                <a:miter lim="800000"/>
+                <a:headEnd/>
+                <a:tailEnd/>
+              </a14:hiddenLine>
+            </a:ext>
+            <a:ext uri="{AF507438-7753-43E0-B8FC-AC1667EBCBE1}">
+              <a14:hiddenEffects xmlns:a14="http://schemas.microsoft.com/office/drawing/2010/main">
+                <a:effectLst>
+                  <a:outerShdw dist="35921" dir="2700000" algn="ctr" rotWithShape="0">
+                    <a:schemeClr val="bg2"/>
+                  </a:outerShdw>
+                </a:effectLst>
+              </a14:hiddenEffects>
+            </a:ext>
+          </a:extLst>
+        </p:spPr>
+      </p:pic>
+    </p:spTree>
+    <p:extLst>
+      <p:ext uri="{BB962C8B-B14F-4D97-AF65-F5344CB8AC3E}">
+        <p14:creationId xmlns:p14="http://schemas.microsoft.com/office/powerpoint/2010/main" val="3648920433"/>
       </p:ext>
     </p:extLst>
   </p:cSld>
@@ -3290,7 +4368,7 @@
     </a:clrScheme>
     <a:fontScheme name="Стандартная">
       <a:majorFont>
-        <a:latin typeface="Calibri Light" panose="020F0302020204030204"/>
+        <a:latin typeface="Calibri Light"/>
         <a:ea typeface=""/>
         <a:cs typeface=""/>
         <a:font script="Jpan" typeface="ＭＳ Ｐゴシック"/>
@@ -3325,7 +4403,7 @@
         <a:font script="Geor" typeface="Sylfaen"/>
       </a:majorFont>
       <a:minorFont>
-        <a:latin typeface="Calibri" panose="020F0502020204030204"/>
+        <a:latin typeface="Calibri"/>
         <a:ea typeface=""/>
         <a:cs typeface=""/>
         <a:font script="Jpan" typeface="ＭＳ Ｐゴシック"/>
@@ -3502,7 +4580,7 @@
   <a:extraClrSchemeLst/>
   <a:extLst>
     <a:ext uri="{05A4C25C-085E-4340-85A3-A5531E510DB2}">
-      <thm15:themeFamily xmlns:thm15="http://schemas.microsoft.com/office/thememl/2012/main" name="Office Theme" id="{62F939B6-93AF-4DB8-9C6B-D6C7DFDC589F}" vid="{4A3C46E8-61CC-4603-A589-7422A47A8E4A}"/>
+      <thm15:themeFamily xmlns:thm15="http://schemas.microsoft.com/office/thememl/2012/main" xmlns="" name="Office Theme" id="{62F939B6-93AF-4DB8-9C6B-D6C7DFDC589F}" vid="{4A3C46E8-61CC-4603-A589-7422A47A8E4A}"/>
     </a:ext>
   </a:extLst>
 </a:theme>

--- a/report.pptx
+++ b/report.pptx
@@ -13,6 +13,11 @@
     <p:sldId id="263" r:id="rId7"/>
     <p:sldId id="264" r:id="rId8"/>
     <p:sldId id="260" r:id="rId9"/>
+    <p:sldId id="265" r:id="rId10"/>
+    <p:sldId id="266" r:id="rId11"/>
+    <p:sldId id="267" r:id="rId12"/>
+    <p:sldId id="268" r:id="rId13"/>
+    <p:sldId id="269" r:id="rId14"/>
   </p:sldIdLst>
   <p:sldSz cx="12192000" cy="6858000"/>
   <p:notesSz cx="6858000" cy="9144000"/>
@@ -113,7 +118,18 @@
   </p:defaultTextStyle>
   <p:extLst>
     <p:ext uri="{EFAFB233-063F-42B5-8137-9DF3F51BA10A}">
-      <p15:sldGuideLst xmlns:p15="http://schemas.microsoft.com/office/powerpoint/2012/main" xmlns=""/>
+      <p15:sldGuideLst xmlns:p15="http://schemas.microsoft.com/office/powerpoint/2012/main">
+        <p15:guide id="1" orient="horz" pos="2160">
+          <p15:clr>
+            <a:srgbClr val="A4A3A4"/>
+          </p15:clr>
+        </p15:guide>
+        <p15:guide id="2" pos="3840">
+          <p15:clr>
+            <a:srgbClr val="A4A3A4"/>
+          </p15:clr>
+        </p15:guide>
+      </p15:sldGuideLst>
     </p:ext>
   </p:extLst>
 </p:presentation>
@@ -250,7 +266,7 @@
           <a:p>
             <a:fld id="{BA4B7FEF-7406-4DA0-A840-A184022FE48A}" type="datetimeFigureOut">
               <a:rPr lang="ru-RU" smtClean="0"/>
-              <a:t>26.07.2023</a:t>
+              <a:t>27.07.2023</a:t>
             </a:fld>
             <a:endParaRPr lang="ru-RU"/>
           </a:p>
@@ -420,7 +436,7 @@
           <a:p>
             <a:fld id="{BA4B7FEF-7406-4DA0-A840-A184022FE48A}" type="datetimeFigureOut">
               <a:rPr lang="ru-RU" smtClean="0"/>
-              <a:t>26.07.2023</a:t>
+              <a:t>27.07.2023</a:t>
             </a:fld>
             <a:endParaRPr lang="ru-RU"/>
           </a:p>
@@ -600,7 +616,7 @@
           <a:p>
             <a:fld id="{BA4B7FEF-7406-4DA0-A840-A184022FE48A}" type="datetimeFigureOut">
               <a:rPr lang="ru-RU" smtClean="0"/>
-              <a:t>26.07.2023</a:t>
+              <a:t>27.07.2023</a:t>
             </a:fld>
             <a:endParaRPr lang="ru-RU"/>
           </a:p>
@@ -770,7 +786,7 @@
           <a:p>
             <a:fld id="{BA4B7FEF-7406-4DA0-A840-A184022FE48A}" type="datetimeFigureOut">
               <a:rPr lang="ru-RU" smtClean="0"/>
-              <a:t>26.07.2023</a:t>
+              <a:t>27.07.2023</a:t>
             </a:fld>
             <a:endParaRPr lang="ru-RU"/>
           </a:p>
@@ -1016,7 +1032,7 @@
           <a:p>
             <a:fld id="{BA4B7FEF-7406-4DA0-A840-A184022FE48A}" type="datetimeFigureOut">
               <a:rPr lang="ru-RU" smtClean="0"/>
-              <a:t>26.07.2023</a:t>
+              <a:t>27.07.2023</a:t>
             </a:fld>
             <a:endParaRPr lang="ru-RU"/>
           </a:p>
@@ -1248,7 +1264,7 @@
           <a:p>
             <a:fld id="{BA4B7FEF-7406-4DA0-A840-A184022FE48A}" type="datetimeFigureOut">
               <a:rPr lang="ru-RU" smtClean="0"/>
-              <a:t>26.07.2023</a:t>
+              <a:t>27.07.2023</a:t>
             </a:fld>
             <a:endParaRPr lang="ru-RU"/>
           </a:p>
@@ -1615,7 +1631,7 @@
           <a:p>
             <a:fld id="{BA4B7FEF-7406-4DA0-A840-A184022FE48A}" type="datetimeFigureOut">
               <a:rPr lang="ru-RU" smtClean="0"/>
-              <a:t>26.07.2023</a:t>
+              <a:t>27.07.2023</a:t>
             </a:fld>
             <a:endParaRPr lang="ru-RU"/>
           </a:p>
@@ -1733,7 +1749,7 @@
           <a:p>
             <a:fld id="{BA4B7FEF-7406-4DA0-A840-A184022FE48A}" type="datetimeFigureOut">
               <a:rPr lang="ru-RU" smtClean="0"/>
-              <a:t>26.07.2023</a:t>
+              <a:t>27.07.2023</a:t>
             </a:fld>
             <a:endParaRPr lang="ru-RU"/>
           </a:p>
@@ -1828,7 +1844,7 @@
           <a:p>
             <a:fld id="{BA4B7FEF-7406-4DA0-A840-A184022FE48A}" type="datetimeFigureOut">
               <a:rPr lang="ru-RU" smtClean="0"/>
-              <a:t>26.07.2023</a:t>
+              <a:t>27.07.2023</a:t>
             </a:fld>
             <a:endParaRPr lang="ru-RU"/>
           </a:p>
@@ -2105,7 +2121,7 @@
           <a:p>
             <a:fld id="{BA4B7FEF-7406-4DA0-A840-A184022FE48A}" type="datetimeFigureOut">
               <a:rPr lang="ru-RU" smtClean="0"/>
-              <a:t>26.07.2023</a:t>
+              <a:t>27.07.2023</a:t>
             </a:fld>
             <a:endParaRPr lang="ru-RU"/>
           </a:p>
@@ -2358,7 +2374,7 @@
           <a:p>
             <a:fld id="{BA4B7FEF-7406-4DA0-A840-A184022FE48A}" type="datetimeFigureOut">
               <a:rPr lang="ru-RU" smtClean="0"/>
-              <a:t>26.07.2023</a:t>
+              <a:t>27.07.2023</a:t>
             </a:fld>
             <a:endParaRPr lang="ru-RU"/>
           </a:p>
@@ -2571,7 +2587,7 @@
           <a:p>
             <a:fld id="{BA4B7FEF-7406-4DA0-A840-A184022FE48A}" type="datetimeFigureOut">
               <a:rPr lang="ru-RU" smtClean="0"/>
-              <a:t>26.07.2023</a:t>
+              <a:t>27.07.2023</a:t>
             </a:fld>
             <a:endParaRPr lang="ru-RU"/>
           </a:p>
@@ -3046,6 +3062,1803 @@
 </p:sld>
 </file>
 
+<file path=ppt/slides/slide10.xml><?xml version="1.0" encoding="utf-8"?>
+<p:sld xmlns:a="http://schemas.openxmlformats.org/drawingml/2006/main" xmlns:r="http://schemas.openxmlformats.org/officeDocument/2006/relationships" xmlns:p="http://schemas.openxmlformats.org/presentationml/2006/main">
+  <p:cSld>
+    <p:spTree>
+      <p:nvGrpSpPr>
+        <p:cNvPr id="1" name=""/>
+        <p:cNvGrpSpPr/>
+        <p:nvPr/>
+      </p:nvGrpSpPr>
+      <p:grpSpPr>
+        <a:xfrm>
+          <a:off x="0" y="0"/>
+          <a:ext cx="0" cy="0"/>
+          <a:chOff x="0" y="0"/>
+          <a:chExt cx="0" cy="0"/>
+        </a:xfrm>
+      </p:grpSpPr>
+      <p:sp>
+        <p:nvSpPr>
+          <p:cNvPr id="2" name="Заголовок 1"/>
+          <p:cNvSpPr>
+            <a:spLocks noGrp="1"/>
+          </p:cNvSpPr>
+          <p:nvPr>
+            <p:ph type="title"/>
+          </p:nvPr>
+        </p:nvSpPr>
+        <p:spPr/>
+        <p:txBody>
+          <a:bodyPr/>
+          <a:lstStyle/>
+          <a:p>
+            <a:r>
+              <a:rPr lang="en-US" dirty="0" smtClean="0"/>
+              <a:t>8) </a:t>
+            </a:r>
+            <a:r>
+              <a:rPr lang="ru-RU" dirty="0" smtClean="0"/>
+              <a:t>Создать в </a:t>
+            </a:r>
+            <a:r>
+              <a:rPr lang="ru-RU" dirty="0" err="1" smtClean="0"/>
+              <a:t>бд</a:t>
+            </a:r>
+            <a:r>
+              <a:rPr lang="ru-RU" dirty="0" smtClean="0"/>
+              <a:t> таблицы со схемы</a:t>
+            </a:r>
+            <a:endParaRPr lang="ru-RU" dirty="0"/>
+          </a:p>
+        </p:txBody>
+      </p:sp>
+      <p:sp>
+        <p:nvSpPr>
+          <p:cNvPr id="3" name="Объект 2"/>
+          <p:cNvSpPr>
+            <a:spLocks noGrp="1"/>
+          </p:cNvSpPr>
+          <p:nvPr>
+            <p:ph idx="1"/>
+          </p:nvPr>
+        </p:nvSpPr>
+        <p:spPr>
+          <a:xfrm>
+            <a:off x="838200" y="1825625"/>
+            <a:ext cx="7319211" cy="4351338"/>
+          </a:xfrm>
+        </p:spPr>
+        <p:txBody>
+          <a:bodyPr>
+            <a:normAutofit fontScale="92500"/>
+          </a:bodyPr>
+          <a:lstStyle/>
+          <a:p>
+            <a:r>
+              <a:rPr lang="en-US" sz="1600" dirty="0"/>
+              <a:t>DROP SCHEMA IF EXISTS `allies</a:t>
+            </a:r>
+            <a:r>
+              <a:rPr lang="en-US" sz="1600" dirty="0" smtClean="0"/>
+              <a:t>`; CREATE </a:t>
+            </a:r>
+            <a:r>
+              <a:rPr lang="en-US" sz="1600" dirty="0"/>
+              <a:t>SCHEMA `allies</a:t>
+            </a:r>
+            <a:r>
+              <a:rPr lang="en-US" sz="1600" dirty="0" smtClean="0"/>
+              <a:t>`; USE </a:t>
+            </a:r>
+            <a:r>
+              <a:rPr lang="en-US" sz="1600" dirty="0"/>
+              <a:t>`allies</a:t>
+            </a:r>
+            <a:r>
+              <a:rPr lang="en-US" sz="1600" dirty="0" smtClean="0"/>
+              <a:t>`;</a:t>
+            </a:r>
+          </a:p>
+          <a:p>
+            <a:r>
+              <a:rPr lang="en-US" sz="1600" dirty="0" smtClean="0"/>
+              <a:t>CREATE </a:t>
+            </a:r>
+            <a:r>
+              <a:rPr lang="en-US" sz="1600" dirty="0"/>
+              <a:t>TABLE breeds(     id serial,    </a:t>
+            </a:r>
+            <a:r>
+              <a:rPr lang="en-US" sz="1600" dirty="0" err="1"/>
+              <a:t>speciesname</a:t>
+            </a:r>
+            <a:r>
+              <a:rPr lang="en-US" sz="1600" dirty="0"/>
+              <a:t> </a:t>
+            </a:r>
+            <a:r>
+              <a:rPr lang="en-US" sz="1600" dirty="0" err="1"/>
+              <a:t>tinytext</a:t>
+            </a:r>
+            <a:r>
+              <a:rPr lang="en-US" sz="1600" dirty="0"/>
+              <a:t>,    food </a:t>
+            </a:r>
+            <a:r>
+              <a:rPr lang="en-US" sz="1600" dirty="0" err="1" smtClean="0"/>
+              <a:t>tinytext</a:t>
+            </a:r>
+            <a:r>
+              <a:rPr lang="en-US" sz="1600" dirty="0" smtClean="0"/>
+              <a:t>,</a:t>
+            </a:r>
+            <a:br>
+              <a:rPr lang="en-US" sz="1600" dirty="0" smtClean="0"/>
+            </a:br>
+            <a:r>
+              <a:rPr lang="en-US" sz="1600" dirty="0" smtClean="0"/>
+              <a:t>primary key(id));</a:t>
+            </a:r>
+          </a:p>
+          <a:p>
+            <a:r>
+              <a:rPr lang="en-US" sz="1600" dirty="0" smtClean="0"/>
+              <a:t>CREATE </a:t>
+            </a:r>
+            <a:r>
+              <a:rPr lang="en-US" sz="1600" dirty="0"/>
+              <a:t>TABLE IF NOT EXISTS cats (    name </a:t>
+            </a:r>
+            <a:r>
+              <a:rPr lang="en-US" sz="1600" dirty="0" err="1"/>
+              <a:t>tinytext</a:t>
+            </a:r>
+            <a:r>
+              <a:rPr lang="en-US" sz="1600" dirty="0"/>
+              <a:t> not null,    </a:t>
+            </a:r>
+            <a:r>
+              <a:rPr lang="en-US" sz="1600" dirty="0" err="1"/>
+              <a:t>birthyear</a:t>
+            </a:r>
+            <a:r>
+              <a:rPr lang="en-US" sz="1600" dirty="0"/>
+              <a:t> </a:t>
+            </a:r>
+            <a:r>
+              <a:rPr lang="en-US" sz="1600" dirty="0" err="1"/>
+              <a:t>smallint</a:t>
+            </a:r>
+            <a:r>
+              <a:rPr lang="en-US" sz="1600" dirty="0"/>
+              <a:t> unsigned,    breed serial,        FOREIGN KEY (breed) REFERENCES breeds(id</a:t>
+            </a:r>
+            <a:r>
+              <a:rPr lang="en-US" sz="1600" dirty="0" smtClean="0"/>
+              <a:t>));</a:t>
+            </a:r>
+          </a:p>
+          <a:p>
+            <a:r>
+              <a:rPr lang="en-US" sz="1600" dirty="0" smtClean="0"/>
+              <a:t>CREATE </a:t>
+            </a:r>
+            <a:r>
+              <a:rPr lang="en-US" sz="1600" dirty="0"/>
+              <a:t>TABLE IF NOT EXISTS dogs (    name </a:t>
+            </a:r>
+            <a:r>
+              <a:rPr lang="en-US" sz="1600" dirty="0" err="1"/>
+              <a:t>tinytext</a:t>
+            </a:r>
+            <a:r>
+              <a:rPr lang="en-US" sz="1600" dirty="0"/>
+              <a:t> not null,    </a:t>
+            </a:r>
+            <a:r>
+              <a:rPr lang="en-US" sz="1600" dirty="0" err="1"/>
+              <a:t>birthyear</a:t>
+            </a:r>
+            <a:r>
+              <a:rPr lang="en-US" sz="1600" dirty="0"/>
+              <a:t> </a:t>
+            </a:r>
+            <a:r>
+              <a:rPr lang="en-US" sz="1600" dirty="0" err="1"/>
+              <a:t>smallint</a:t>
+            </a:r>
+            <a:r>
+              <a:rPr lang="en-US" sz="1600" dirty="0"/>
+              <a:t> unsigned,    breed serial,        FOREIGN KEY (breed) REFERENCES breeds(id</a:t>
+            </a:r>
+            <a:r>
+              <a:rPr lang="en-US" sz="1600" dirty="0" smtClean="0"/>
+              <a:t>));</a:t>
+            </a:r>
+          </a:p>
+          <a:p>
+            <a:r>
+              <a:rPr lang="en-US" sz="1600" dirty="0" smtClean="0"/>
+              <a:t>CREATE </a:t>
+            </a:r>
+            <a:r>
+              <a:rPr lang="en-US" sz="1600" dirty="0"/>
+              <a:t>TABLE IF NOT EXISTS hamsters (    name </a:t>
+            </a:r>
+            <a:r>
+              <a:rPr lang="en-US" sz="1600" dirty="0" err="1"/>
+              <a:t>tinytext</a:t>
+            </a:r>
+            <a:r>
+              <a:rPr lang="en-US" sz="1600" dirty="0"/>
+              <a:t> not null,    </a:t>
+            </a:r>
+            <a:r>
+              <a:rPr lang="en-US" sz="1600" dirty="0" err="1"/>
+              <a:t>birthyear</a:t>
+            </a:r>
+            <a:r>
+              <a:rPr lang="en-US" sz="1600" dirty="0"/>
+              <a:t> </a:t>
+            </a:r>
+            <a:r>
+              <a:rPr lang="en-US" sz="1600" dirty="0" err="1"/>
+              <a:t>smallint</a:t>
+            </a:r>
+            <a:r>
+              <a:rPr lang="en-US" sz="1600" dirty="0"/>
+              <a:t> unsigned,    breed serial,        FOREIGN KEY (breed) REFERENCES breeds(id));CREATE TABLE IF NOT EXISTS horses (    name </a:t>
+            </a:r>
+            <a:r>
+              <a:rPr lang="en-US" sz="1600" dirty="0" err="1"/>
+              <a:t>tinytext</a:t>
+            </a:r>
+            <a:r>
+              <a:rPr lang="en-US" sz="1600" dirty="0"/>
+              <a:t> not null,    </a:t>
+            </a:r>
+            <a:r>
+              <a:rPr lang="en-US" sz="1600" dirty="0" err="1"/>
+              <a:t>birthyear</a:t>
+            </a:r>
+            <a:r>
+              <a:rPr lang="en-US" sz="1600" dirty="0"/>
+              <a:t> </a:t>
+            </a:r>
+            <a:r>
+              <a:rPr lang="en-US" sz="1600" dirty="0" err="1"/>
+              <a:t>smallint</a:t>
+            </a:r>
+            <a:r>
+              <a:rPr lang="en-US" sz="1600" dirty="0"/>
+              <a:t> unsigned,    breed serial,    </a:t>
+            </a:r>
+            <a:r>
+              <a:rPr lang="en-US" sz="1600" dirty="0" err="1"/>
+              <a:t>carryweight</a:t>
+            </a:r>
+            <a:r>
+              <a:rPr lang="en-US" sz="1600" dirty="0"/>
+              <a:t> </a:t>
+            </a:r>
+            <a:r>
+              <a:rPr lang="en-US" sz="1600" dirty="0" err="1"/>
+              <a:t>tinyint</a:t>
+            </a:r>
+            <a:r>
+              <a:rPr lang="en-US" sz="1600" dirty="0"/>
+              <a:t> unsigned,        FOREIGN KEY (breed) REFERENCES breeds(id</a:t>
+            </a:r>
+            <a:r>
+              <a:rPr lang="en-US" sz="1600" dirty="0" smtClean="0"/>
+              <a:t>));</a:t>
+            </a:r>
+          </a:p>
+          <a:p>
+            <a:r>
+              <a:rPr lang="en-US" sz="1600" dirty="0" smtClean="0"/>
+              <a:t>CREATE </a:t>
+            </a:r>
+            <a:r>
+              <a:rPr lang="en-US" sz="1600" dirty="0"/>
+              <a:t>TABLE IF NOT EXISTS camels (    name </a:t>
+            </a:r>
+            <a:r>
+              <a:rPr lang="en-US" sz="1600" dirty="0" err="1"/>
+              <a:t>tinytext</a:t>
+            </a:r>
+            <a:r>
+              <a:rPr lang="en-US" sz="1600" dirty="0"/>
+              <a:t> not null,    </a:t>
+            </a:r>
+            <a:r>
+              <a:rPr lang="en-US" sz="1600" dirty="0" err="1"/>
+              <a:t>birthyear</a:t>
+            </a:r>
+            <a:r>
+              <a:rPr lang="en-US" sz="1600" dirty="0"/>
+              <a:t> </a:t>
+            </a:r>
+            <a:r>
+              <a:rPr lang="en-US" sz="1600" dirty="0" err="1"/>
+              <a:t>smallint</a:t>
+            </a:r>
+            <a:r>
+              <a:rPr lang="en-US" sz="1600" dirty="0"/>
+              <a:t> unsigned,    breed serial,    </a:t>
+            </a:r>
+            <a:r>
+              <a:rPr lang="en-US" sz="1600" dirty="0" err="1"/>
+              <a:t>carryweight</a:t>
+            </a:r>
+            <a:r>
+              <a:rPr lang="en-US" sz="1600" dirty="0"/>
+              <a:t> </a:t>
+            </a:r>
+            <a:r>
+              <a:rPr lang="en-US" sz="1600" dirty="0" err="1"/>
+              <a:t>tinyint</a:t>
+            </a:r>
+            <a:r>
+              <a:rPr lang="en-US" sz="1600" dirty="0"/>
+              <a:t> unsigned,        FOREIGN KEY (breed) REFERENCES breeds(id</a:t>
+            </a:r>
+            <a:r>
+              <a:rPr lang="en-US" sz="1600" dirty="0" smtClean="0"/>
+              <a:t>));</a:t>
+            </a:r>
+          </a:p>
+          <a:p>
+            <a:r>
+              <a:rPr lang="en-US" sz="1600" dirty="0" smtClean="0"/>
+              <a:t>CREATE </a:t>
+            </a:r>
+            <a:r>
+              <a:rPr lang="en-US" sz="1600" dirty="0"/>
+              <a:t>TABLE IF NOT EXISTS donkeys (    name </a:t>
+            </a:r>
+            <a:r>
+              <a:rPr lang="en-US" sz="1600" dirty="0" err="1"/>
+              <a:t>tinytext</a:t>
+            </a:r>
+            <a:r>
+              <a:rPr lang="en-US" sz="1600" dirty="0"/>
+              <a:t> not null,    </a:t>
+            </a:r>
+            <a:r>
+              <a:rPr lang="en-US" sz="1600" dirty="0" err="1"/>
+              <a:t>birthyear</a:t>
+            </a:r>
+            <a:r>
+              <a:rPr lang="en-US" sz="1600" dirty="0"/>
+              <a:t> </a:t>
+            </a:r>
+            <a:r>
+              <a:rPr lang="en-US" sz="1600" dirty="0" err="1"/>
+              <a:t>smallint</a:t>
+            </a:r>
+            <a:r>
+              <a:rPr lang="en-US" sz="1600" dirty="0"/>
+              <a:t> unsigned,    breed serial,    </a:t>
+            </a:r>
+            <a:r>
+              <a:rPr lang="en-US" sz="1600" dirty="0" err="1"/>
+              <a:t>carryweight</a:t>
+            </a:r>
+            <a:r>
+              <a:rPr lang="en-US" sz="1600" dirty="0"/>
+              <a:t> </a:t>
+            </a:r>
+            <a:r>
+              <a:rPr lang="en-US" sz="1600" dirty="0" err="1"/>
+              <a:t>tinyint</a:t>
+            </a:r>
+            <a:r>
+              <a:rPr lang="en-US" sz="1600" dirty="0"/>
+              <a:t> unsigned,        FOREIGN KEY (breed) REFERENCES breeds(id));</a:t>
+            </a:r>
+            <a:endParaRPr lang="ru-RU" sz="1600" dirty="0"/>
+          </a:p>
+        </p:txBody>
+      </p:sp>
+      <p:pic>
+        <p:nvPicPr>
+          <p:cNvPr id="4" name="Рисунок 3"/>
+          <p:cNvPicPr>
+            <a:picLocks noChangeAspect="1"/>
+          </p:cNvPicPr>
+          <p:nvPr/>
+        </p:nvPicPr>
+        <p:blipFill>
+          <a:blip r:embed="rId2"/>
+          <a:stretch>
+            <a:fillRect/>
+          </a:stretch>
+        </p:blipFill>
+        <p:spPr>
+          <a:xfrm>
+            <a:off x="8637256" y="1825625"/>
+            <a:ext cx="2353003" cy="2495898"/>
+          </a:xfrm>
+          <a:prstGeom prst="rect">
+            <a:avLst/>
+          </a:prstGeom>
+        </p:spPr>
+      </p:pic>
+    </p:spTree>
+    <p:extLst>
+      <p:ext uri="{BB962C8B-B14F-4D97-AF65-F5344CB8AC3E}">
+        <p14:creationId xmlns:p14="http://schemas.microsoft.com/office/powerpoint/2010/main" val="2416307804"/>
+      </p:ext>
+    </p:extLst>
+  </p:cSld>
+  <p:clrMapOvr>
+    <a:masterClrMapping/>
+  </p:clrMapOvr>
+</p:sld>
+</file>
+
+<file path=ppt/slides/slide11.xml><?xml version="1.0" encoding="utf-8"?>
+<p:sld xmlns:a="http://schemas.openxmlformats.org/drawingml/2006/main" xmlns:r="http://schemas.openxmlformats.org/officeDocument/2006/relationships" xmlns:p="http://schemas.openxmlformats.org/presentationml/2006/main">
+  <p:cSld>
+    <p:spTree>
+      <p:nvGrpSpPr>
+        <p:cNvPr id="1" name=""/>
+        <p:cNvGrpSpPr/>
+        <p:nvPr/>
+      </p:nvGrpSpPr>
+      <p:grpSpPr>
+        <a:xfrm>
+          <a:off x="0" y="0"/>
+          <a:ext cx="0" cy="0"/>
+          <a:chOff x="0" y="0"/>
+          <a:chExt cx="0" cy="0"/>
+        </a:xfrm>
+      </p:grpSpPr>
+      <p:sp>
+        <p:nvSpPr>
+          <p:cNvPr id="2" name="Заголовок 1"/>
+          <p:cNvSpPr>
+            <a:spLocks noGrp="1"/>
+          </p:cNvSpPr>
+          <p:nvPr>
+            <p:ph type="title"/>
+          </p:nvPr>
+        </p:nvSpPr>
+        <p:spPr/>
+        <p:txBody>
+          <a:bodyPr/>
+          <a:lstStyle/>
+          <a:p>
+            <a:r>
+              <a:rPr lang="ru-RU" dirty="0" smtClean="0"/>
+              <a:t>9)Заполнить таблицы значениями</a:t>
+            </a:r>
+            <a:endParaRPr lang="ru-RU" dirty="0"/>
+          </a:p>
+        </p:txBody>
+      </p:sp>
+      <p:sp>
+        <p:nvSpPr>
+          <p:cNvPr id="3" name="Объект 2"/>
+          <p:cNvSpPr>
+            <a:spLocks noGrp="1"/>
+          </p:cNvSpPr>
+          <p:nvPr>
+            <p:ph sz="half" idx="1"/>
+          </p:nvPr>
+        </p:nvSpPr>
+        <p:spPr>
+          <a:xfrm>
+            <a:off x="838200" y="1430170"/>
+            <a:ext cx="5181600" cy="5199229"/>
+          </a:xfrm>
+        </p:spPr>
+        <p:txBody>
+          <a:bodyPr>
+            <a:normAutofit lnSpcReduction="10000"/>
+          </a:bodyPr>
+          <a:lstStyle/>
+          <a:p>
+            <a:r>
+              <a:rPr lang="en-US" sz="1600" dirty="0"/>
+              <a:t>INSERT INTO `breeds`(</a:t>
+            </a:r>
+            <a:r>
+              <a:rPr lang="en-US" sz="1600" dirty="0" err="1"/>
+              <a:t>speciesname,food</a:t>
+            </a:r>
+            <a:r>
+              <a:rPr lang="en-US" sz="1600" dirty="0"/>
+              <a:t>) </a:t>
+            </a:r>
+            <a:endParaRPr lang="en-US" sz="1600" dirty="0" smtClean="0"/>
+          </a:p>
+          <a:p>
+            <a:pPr marL="0" indent="0">
+              <a:buNone/>
+            </a:pPr>
+            <a:r>
+              <a:rPr lang="en-US" sz="1600" dirty="0" smtClean="0"/>
+              <a:t>VALUES</a:t>
+            </a:r>
+            <a:r>
+              <a:rPr lang="en-US" sz="1600" dirty="0"/>
+              <a:t>	</a:t>
+            </a:r>
+            <a:endParaRPr lang="en-US" sz="1600" dirty="0" smtClean="0"/>
+          </a:p>
+          <a:p>
+            <a:pPr marL="0" indent="0">
+              <a:buNone/>
+            </a:pPr>
+            <a:r>
+              <a:rPr lang="en-US" sz="1600" dirty="0" smtClean="0"/>
+              <a:t>	(</a:t>
+            </a:r>
+            <a:r>
+              <a:rPr lang="en-US" sz="1600" dirty="0"/>
+              <a:t>'</a:t>
+            </a:r>
+            <a:r>
+              <a:rPr lang="en-US" sz="1600" dirty="0" err="1"/>
+              <a:t>catbreed</a:t>
+            </a:r>
+            <a:r>
+              <a:rPr lang="en-US" sz="1600" dirty="0"/>
+              <a:t> a', 'fish a'),    ('</a:t>
+            </a:r>
+            <a:r>
+              <a:rPr lang="en-US" sz="1600" dirty="0" err="1"/>
+              <a:t>catbreed</a:t>
+            </a:r>
+            <a:r>
+              <a:rPr lang="en-US" sz="1600" dirty="0"/>
+              <a:t> b', 'fish b'),    ('</a:t>
+            </a:r>
+            <a:r>
+              <a:rPr lang="en-US" sz="1600" dirty="0" err="1"/>
+              <a:t>dogbreed</a:t>
+            </a:r>
+            <a:r>
+              <a:rPr lang="en-US" sz="1600" dirty="0"/>
+              <a:t> a', </a:t>
+            </a:r>
+            <a:r>
+              <a:rPr lang="en-US" sz="1600" dirty="0" smtClean="0"/>
+              <a:t>'meat </a:t>
+            </a:r>
+            <a:r>
+              <a:rPr lang="en-US" sz="1600" dirty="0"/>
+              <a:t>a'),    ('</a:t>
+            </a:r>
+            <a:r>
+              <a:rPr lang="en-US" sz="1600" dirty="0" err="1"/>
+              <a:t>dogbreed</a:t>
+            </a:r>
+            <a:r>
+              <a:rPr lang="en-US" sz="1600" dirty="0"/>
+              <a:t> b', 'meat b'),    ('</a:t>
+            </a:r>
+            <a:r>
+              <a:rPr lang="en-US" sz="1600" dirty="0" err="1"/>
+              <a:t>hamsterbreed</a:t>
+            </a:r>
+            <a:r>
+              <a:rPr lang="en-US" sz="1600" dirty="0"/>
+              <a:t> a', 'corn a'),    </a:t>
+            </a:r>
+            <a:r>
+              <a:rPr lang="en-US" sz="1600" dirty="0" smtClean="0"/>
+              <a:t>(</a:t>
+            </a:r>
+            <a:r>
+              <a:rPr lang="en-US" sz="1600" dirty="0"/>
+              <a:t>'</a:t>
+            </a:r>
+            <a:r>
+              <a:rPr lang="en-US" sz="1600" dirty="0" err="1"/>
+              <a:t>hamsterbreed</a:t>
+            </a:r>
+            <a:r>
+              <a:rPr lang="en-US" sz="1600" dirty="0"/>
+              <a:t> b', 'corn b'),    ('</a:t>
+            </a:r>
+            <a:r>
+              <a:rPr lang="en-US" sz="1600" dirty="0" err="1"/>
+              <a:t>horsebreed</a:t>
+            </a:r>
+            <a:r>
+              <a:rPr lang="en-US" sz="1600" dirty="0"/>
+              <a:t> a', 'carrot a'),    </a:t>
+            </a:r>
+            <a:r>
+              <a:rPr lang="en-US" sz="1600" dirty="0" smtClean="0"/>
+              <a:t>(</a:t>
+            </a:r>
+            <a:r>
+              <a:rPr lang="en-US" sz="1600" dirty="0"/>
+              <a:t>'</a:t>
+            </a:r>
+            <a:r>
+              <a:rPr lang="en-US" sz="1600" dirty="0" err="1"/>
+              <a:t>horsebreed</a:t>
+            </a:r>
+            <a:r>
+              <a:rPr lang="en-US" sz="1600" dirty="0"/>
+              <a:t> b', 'carrot b'),    ('</a:t>
+            </a:r>
+            <a:r>
+              <a:rPr lang="en-US" sz="1600" dirty="0" err="1"/>
+              <a:t>camelbreed</a:t>
+            </a:r>
+            <a:r>
+              <a:rPr lang="en-US" sz="1600" dirty="0"/>
+              <a:t> a', 'grass a'),    </a:t>
+            </a:r>
+            <a:r>
+              <a:rPr lang="en-US" sz="1600" dirty="0" smtClean="0"/>
+              <a:t>('</a:t>
+            </a:r>
+            <a:r>
+              <a:rPr lang="en-US" sz="1600" dirty="0" err="1" smtClean="0"/>
+              <a:t>camelbreed</a:t>
+            </a:r>
+            <a:r>
+              <a:rPr lang="en-US" sz="1600" dirty="0" smtClean="0"/>
+              <a:t> </a:t>
+            </a:r>
+            <a:r>
+              <a:rPr lang="en-US" sz="1600" dirty="0"/>
+              <a:t>b', 'grass b'),    ('</a:t>
+            </a:r>
+            <a:r>
+              <a:rPr lang="en-US" sz="1600" dirty="0" err="1"/>
+              <a:t>donkeybreed</a:t>
+            </a:r>
+            <a:r>
+              <a:rPr lang="en-US" sz="1600" dirty="0"/>
+              <a:t> a', </a:t>
+            </a:r>
+            <a:r>
+              <a:rPr lang="en-US" sz="1600" dirty="0" smtClean="0"/>
+              <a:t>'wheat </a:t>
+            </a:r>
+            <a:r>
+              <a:rPr lang="en-US" sz="1600" dirty="0"/>
+              <a:t>a</a:t>
+            </a:r>
+            <a:r>
+              <a:rPr lang="en-US" sz="1600" dirty="0" smtClean="0"/>
+              <a:t>'),    (</a:t>
+            </a:r>
+            <a:r>
+              <a:rPr lang="en-US" sz="1600" dirty="0"/>
+              <a:t>'</a:t>
+            </a:r>
+            <a:r>
+              <a:rPr lang="en-US" sz="1600" dirty="0" err="1"/>
+              <a:t>donkeybreed</a:t>
+            </a:r>
+            <a:r>
+              <a:rPr lang="en-US" sz="1600" dirty="0"/>
+              <a:t> b', 'wheat b</a:t>
+            </a:r>
+            <a:r>
+              <a:rPr lang="en-US" sz="1600" dirty="0" smtClean="0"/>
+              <a:t>');</a:t>
+            </a:r>
+          </a:p>
+          <a:p>
+            <a:pPr marL="0" indent="0">
+              <a:buNone/>
+            </a:pPr>
+            <a:r>
+              <a:rPr lang="en-US" sz="1600" dirty="0"/>
+              <a:t>insert into `cats`(</a:t>
+            </a:r>
+            <a:r>
+              <a:rPr lang="en-US" sz="1600" dirty="0" err="1"/>
+              <a:t>name,birthyear,breed</a:t>
+            </a:r>
+            <a:r>
+              <a:rPr lang="en-US" sz="1600" dirty="0" smtClean="0"/>
+              <a:t>) VALUES</a:t>
+            </a:r>
+            <a:r>
+              <a:rPr lang="en-US" sz="1600" dirty="0"/>
+              <a:t>		('masik',2015,1),        ('liska',2022,2</a:t>
+            </a:r>
+            <a:r>
+              <a:rPr lang="en-US" sz="1600" dirty="0" smtClean="0"/>
+              <a:t>);</a:t>
+            </a:r>
+          </a:p>
+          <a:p>
+            <a:pPr marL="0" indent="0">
+              <a:buNone/>
+            </a:pPr>
+            <a:r>
+              <a:rPr lang="en-US" sz="1600" dirty="0" smtClean="0"/>
+              <a:t>insert </a:t>
+            </a:r>
+            <a:r>
+              <a:rPr lang="en-US" sz="1600" dirty="0"/>
+              <a:t>into `dogs`(</a:t>
+            </a:r>
+            <a:r>
+              <a:rPr lang="en-US" sz="1600" dirty="0" err="1"/>
+              <a:t>name,birthyear,breed</a:t>
+            </a:r>
+            <a:r>
+              <a:rPr lang="en-US" sz="1600" dirty="0" smtClean="0"/>
+              <a:t>) VALUES</a:t>
+            </a:r>
+            <a:r>
+              <a:rPr lang="en-US" sz="1600" dirty="0"/>
+              <a:t>		('gavrik',2015,3),        ('jy4ka',2022,4</a:t>
+            </a:r>
+            <a:r>
+              <a:rPr lang="en-US" sz="1600" dirty="0" smtClean="0"/>
+              <a:t>);</a:t>
+            </a:r>
+          </a:p>
+          <a:p>
+            <a:pPr marL="0" indent="0">
+              <a:buNone/>
+            </a:pPr>
+            <a:r>
+              <a:rPr lang="en-US" sz="1600" dirty="0" smtClean="0"/>
+              <a:t>insert </a:t>
+            </a:r>
+            <a:r>
+              <a:rPr lang="en-US" sz="1600" dirty="0"/>
+              <a:t>into `hamsters`(</a:t>
+            </a:r>
+            <a:r>
+              <a:rPr lang="en-US" sz="1600" dirty="0" err="1"/>
+              <a:t>name,birthyear,breed</a:t>
+            </a:r>
+            <a:r>
+              <a:rPr lang="en-US" sz="1600" dirty="0"/>
+              <a:t>)VALUES		('boris',2015,5),        ('lapusik',2022,6</a:t>
+            </a:r>
+            <a:r>
+              <a:rPr lang="en-US" sz="1600" dirty="0" smtClean="0"/>
+              <a:t>);</a:t>
+            </a:r>
+          </a:p>
+          <a:p>
+            <a:pPr marL="0" indent="0">
+              <a:buNone/>
+            </a:pPr>
+            <a:r>
+              <a:rPr lang="en-US" sz="1600" dirty="0" smtClean="0"/>
+              <a:t>insert </a:t>
+            </a:r>
+            <a:r>
+              <a:rPr lang="en-US" sz="1600" dirty="0"/>
+              <a:t>into `horses`(</a:t>
+            </a:r>
+            <a:r>
+              <a:rPr lang="en-US" sz="1600" dirty="0" err="1"/>
+              <a:t>name,birthyear,breed</a:t>
+            </a:r>
+            <a:r>
+              <a:rPr lang="en-US" sz="1600" dirty="0"/>
+              <a:t>)VALUES		('bucefal',2015,7),        ('invincible',2022,8</a:t>
+            </a:r>
+            <a:r>
+              <a:rPr lang="en-US" sz="1600" dirty="0" smtClean="0"/>
+              <a:t>);</a:t>
+            </a:r>
+          </a:p>
+          <a:p>
+            <a:pPr marL="0" indent="0">
+              <a:buNone/>
+            </a:pPr>
+            <a:r>
+              <a:rPr lang="en-US" sz="1600" dirty="0" smtClean="0"/>
+              <a:t>insert </a:t>
+            </a:r>
+            <a:r>
+              <a:rPr lang="en-US" sz="1600" dirty="0"/>
+              <a:t>into `camels`(</a:t>
+            </a:r>
+            <a:r>
+              <a:rPr lang="en-US" sz="1600" dirty="0" err="1"/>
+              <a:t>name,birthyear,breed</a:t>
+            </a:r>
+            <a:r>
+              <a:rPr lang="en-US" sz="1600" dirty="0"/>
+              <a:t>)VALUES		('pasha',2015,9),        ('lesha',2022,10</a:t>
+            </a:r>
+            <a:r>
+              <a:rPr lang="en-US" sz="1600" dirty="0" smtClean="0"/>
+              <a:t>);</a:t>
+            </a:r>
+          </a:p>
+          <a:p>
+            <a:pPr marL="0" indent="0">
+              <a:buNone/>
+            </a:pPr>
+            <a:r>
+              <a:rPr lang="en-US" sz="1600" dirty="0" smtClean="0"/>
+              <a:t>insert </a:t>
+            </a:r>
+            <a:r>
+              <a:rPr lang="en-US" sz="1600" dirty="0"/>
+              <a:t>into `donkeys`(</a:t>
+            </a:r>
+            <a:r>
+              <a:rPr lang="en-US" sz="1600" dirty="0" err="1"/>
+              <a:t>name,birthyear,breed</a:t>
+            </a:r>
+            <a:r>
+              <a:rPr lang="en-US" sz="1600" dirty="0"/>
+              <a:t>)VALUES		('vova',2015,11),        ('dima',2022,12);</a:t>
+            </a:r>
+            <a:endParaRPr lang="ru-RU" sz="1600" dirty="0"/>
+          </a:p>
+        </p:txBody>
+      </p:sp>
+      <p:sp>
+        <p:nvSpPr>
+          <p:cNvPr id="4" name="Объект 3"/>
+          <p:cNvSpPr>
+            <a:spLocks noGrp="1"/>
+          </p:cNvSpPr>
+          <p:nvPr>
+            <p:ph sz="half" idx="2"/>
+          </p:nvPr>
+        </p:nvSpPr>
+        <p:spPr/>
+        <p:txBody>
+          <a:bodyPr>
+            <a:normAutofit lnSpcReduction="10000"/>
+          </a:bodyPr>
+          <a:lstStyle/>
+          <a:p>
+            <a:r>
+              <a:rPr lang="en-US" sz="1600" dirty="0"/>
+              <a:t>SELECT * FROM </a:t>
+            </a:r>
+            <a:r>
+              <a:rPr lang="en-US" sz="1600" dirty="0" smtClean="0"/>
+              <a:t>cats UNION </a:t>
+            </a:r>
+            <a:br>
+              <a:rPr lang="en-US" sz="1600" dirty="0" smtClean="0"/>
+            </a:br>
+            <a:r>
+              <a:rPr lang="en-US" sz="1600" dirty="0" smtClean="0"/>
+              <a:t>SELECT </a:t>
+            </a:r>
+            <a:r>
+              <a:rPr lang="en-US" sz="1600" dirty="0"/>
+              <a:t>* FROM </a:t>
+            </a:r>
+            <a:r>
+              <a:rPr lang="en-US" sz="1600" dirty="0" smtClean="0"/>
+              <a:t>dogs UNION </a:t>
+            </a:r>
+            <a:br>
+              <a:rPr lang="en-US" sz="1600" dirty="0" smtClean="0"/>
+            </a:br>
+            <a:r>
+              <a:rPr lang="en-US" sz="1600" dirty="0" smtClean="0"/>
+              <a:t>SELECT </a:t>
+            </a:r>
+            <a:r>
+              <a:rPr lang="en-US" sz="1600" dirty="0"/>
+              <a:t>* FROM </a:t>
+            </a:r>
+            <a:r>
+              <a:rPr lang="en-US" sz="1600" dirty="0" smtClean="0"/>
+              <a:t>hamsters UNION </a:t>
+            </a:r>
+            <a:br>
+              <a:rPr lang="en-US" sz="1600" dirty="0" smtClean="0"/>
+            </a:br>
+            <a:r>
+              <a:rPr lang="en-US" sz="1600" dirty="0" smtClean="0"/>
+              <a:t>SELECT </a:t>
+            </a:r>
+            <a:r>
+              <a:rPr lang="en-US" sz="1600" dirty="0"/>
+              <a:t>name, </a:t>
+            </a:r>
+            <a:r>
+              <a:rPr lang="en-US" sz="1600" dirty="0" err="1"/>
+              <a:t>birthyear</a:t>
+            </a:r>
+            <a:r>
+              <a:rPr lang="en-US" sz="1600" dirty="0"/>
+              <a:t>, breed from </a:t>
+            </a:r>
+            <a:r>
+              <a:rPr lang="en-US" sz="1600" dirty="0" smtClean="0"/>
+              <a:t>horses UNION</a:t>
+            </a:r>
+            <a:br>
+              <a:rPr lang="en-US" sz="1600" dirty="0" smtClean="0"/>
+            </a:br>
+            <a:r>
+              <a:rPr lang="en-US" sz="1600" dirty="0" smtClean="0"/>
+              <a:t>select </a:t>
+            </a:r>
+            <a:r>
+              <a:rPr lang="en-US" sz="1600" dirty="0"/>
+              <a:t>name, </a:t>
+            </a:r>
+            <a:r>
+              <a:rPr lang="en-US" sz="1600" dirty="0" err="1"/>
+              <a:t>birthyear</a:t>
+            </a:r>
+            <a:r>
+              <a:rPr lang="en-US" sz="1600" dirty="0"/>
+              <a:t>, breed from </a:t>
+            </a:r>
+            <a:r>
+              <a:rPr lang="en-US" sz="1600" dirty="0" smtClean="0"/>
+              <a:t>camels UNION </a:t>
+            </a:r>
+            <a:br>
+              <a:rPr lang="en-US" sz="1600" dirty="0" smtClean="0"/>
+            </a:br>
+            <a:r>
+              <a:rPr lang="en-US" sz="1600" dirty="0" smtClean="0"/>
+              <a:t>select </a:t>
+            </a:r>
+            <a:r>
+              <a:rPr lang="en-US" sz="1600" dirty="0"/>
+              <a:t>name, </a:t>
+            </a:r>
+            <a:r>
+              <a:rPr lang="en-US" sz="1600" dirty="0" err="1"/>
+              <a:t>birthyear</a:t>
+            </a:r>
+            <a:r>
+              <a:rPr lang="en-US" sz="1600" dirty="0"/>
+              <a:t>, breed from donkeys;</a:t>
+            </a:r>
+            <a:endParaRPr lang="ru-RU" sz="1600" dirty="0"/>
+          </a:p>
+        </p:txBody>
+      </p:sp>
+      <p:pic>
+        <p:nvPicPr>
+          <p:cNvPr id="5" name="Рисунок 4"/>
+          <p:cNvPicPr>
+            <a:picLocks noChangeAspect="1"/>
+          </p:cNvPicPr>
+          <p:nvPr/>
+        </p:nvPicPr>
+        <p:blipFill>
+          <a:blip r:embed="rId2"/>
+          <a:stretch>
+            <a:fillRect/>
+          </a:stretch>
+        </p:blipFill>
+        <p:spPr>
+          <a:xfrm>
+            <a:off x="7053572" y="3199920"/>
+            <a:ext cx="2753109" cy="3429479"/>
+          </a:xfrm>
+          <a:prstGeom prst="rect">
+            <a:avLst/>
+          </a:prstGeom>
+        </p:spPr>
+      </p:pic>
+    </p:spTree>
+    <p:extLst>
+      <p:ext uri="{BB962C8B-B14F-4D97-AF65-F5344CB8AC3E}">
+        <p14:creationId xmlns:p14="http://schemas.microsoft.com/office/powerpoint/2010/main" val="3884787598"/>
+      </p:ext>
+    </p:extLst>
+  </p:cSld>
+  <p:clrMapOvr>
+    <a:masterClrMapping/>
+  </p:clrMapOvr>
+</p:sld>
+</file>
+
+<file path=ppt/slides/slide12.xml><?xml version="1.0" encoding="utf-8"?>
+<p:sld xmlns:a="http://schemas.openxmlformats.org/drawingml/2006/main" xmlns:r="http://schemas.openxmlformats.org/officeDocument/2006/relationships" xmlns:p="http://schemas.openxmlformats.org/presentationml/2006/main">
+  <p:cSld>
+    <p:spTree>
+      <p:nvGrpSpPr>
+        <p:cNvPr id="1" name=""/>
+        <p:cNvGrpSpPr/>
+        <p:nvPr/>
+      </p:nvGrpSpPr>
+      <p:grpSpPr>
+        <a:xfrm>
+          <a:off x="0" y="0"/>
+          <a:ext cx="0" cy="0"/>
+          <a:chOff x="0" y="0"/>
+          <a:chExt cx="0" cy="0"/>
+        </a:xfrm>
+      </p:grpSpPr>
+      <p:sp>
+        <p:nvSpPr>
+          <p:cNvPr id="2" name="Заголовок 1"/>
+          <p:cNvSpPr>
+            <a:spLocks noGrp="1"/>
+          </p:cNvSpPr>
+          <p:nvPr>
+            <p:ph type="title"/>
+          </p:nvPr>
+        </p:nvSpPr>
+        <p:spPr/>
+        <p:txBody>
+          <a:bodyPr/>
+          <a:lstStyle/>
+          <a:p>
+            <a:r>
+              <a:rPr lang="en-US" sz="3200" dirty="0" smtClean="0"/>
+              <a:t>9.1) </a:t>
+            </a:r>
+            <a:r>
+              <a:rPr lang="ru-RU" sz="3200" dirty="0" err="1" smtClean="0"/>
+              <a:t>Мммм</a:t>
+            </a:r>
+            <a:r>
+              <a:rPr lang="ru-RU" sz="3200" dirty="0" smtClean="0"/>
+              <a:t>, по командам немного прозевал</a:t>
+            </a:r>
+            <a:endParaRPr lang="ru-RU" dirty="0"/>
+          </a:p>
+        </p:txBody>
+      </p:sp>
+      <p:sp>
+        <p:nvSpPr>
+          <p:cNvPr id="3" name="Объект 2"/>
+          <p:cNvSpPr>
+            <a:spLocks noGrp="1"/>
+          </p:cNvSpPr>
+          <p:nvPr>
+            <p:ph sz="half" idx="1"/>
+          </p:nvPr>
+        </p:nvSpPr>
+        <p:spPr/>
+        <p:txBody>
+          <a:bodyPr>
+            <a:normAutofit fontScale="77500" lnSpcReduction="20000"/>
+          </a:bodyPr>
+          <a:lstStyle/>
+          <a:p>
+            <a:r>
+              <a:rPr lang="en-US" sz="1600" dirty="0"/>
+              <a:t>ALTER TABLE cats ADD </a:t>
+            </a:r>
+            <a:r>
+              <a:rPr lang="en-US" sz="1600" dirty="0" err="1"/>
+              <a:t>learned_commands</a:t>
+            </a:r>
+            <a:r>
+              <a:rPr lang="en-US" sz="1600" dirty="0"/>
+              <a:t> </a:t>
+            </a:r>
+            <a:r>
+              <a:rPr lang="en-US" sz="1600" dirty="0" err="1" smtClean="0"/>
+              <a:t>tinytext</a:t>
+            </a:r>
+            <a:r>
+              <a:rPr lang="en-US" sz="1600" dirty="0" smtClean="0"/>
+              <a:t>; </a:t>
+            </a:r>
+            <a:br>
+              <a:rPr lang="en-US" sz="1600" dirty="0" smtClean="0"/>
+            </a:br>
+            <a:r>
+              <a:rPr lang="en-US" sz="1600" dirty="0" smtClean="0"/>
+              <a:t>ALTER </a:t>
+            </a:r>
+            <a:r>
+              <a:rPr lang="en-US" sz="1600" dirty="0"/>
+              <a:t>TABLE dogs ADD </a:t>
+            </a:r>
+            <a:r>
+              <a:rPr lang="en-US" sz="1600" dirty="0" err="1"/>
+              <a:t>learned_commands</a:t>
+            </a:r>
+            <a:r>
+              <a:rPr lang="en-US" sz="1600" dirty="0"/>
+              <a:t> </a:t>
+            </a:r>
+            <a:r>
+              <a:rPr lang="en-US" sz="1600" dirty="0" err="1"/>
+              <a:t>tinytext</a:t>
+            </a:r>
+            <a:r>
+              <a:rPr lang="en-US" sz="1600" dirty="0" smtClean="0"/>
+              <a:t>; </a:t>
+            </a:r>
+            <a:br>
+              <a:rPr lang="en-US" sz="1600" dirty="0" smtClean="0"/>
+            </a:br>
+            <a:r>
+              <a:rPr lang="en-US" sz="1600" dirty="0" smtClean="0"/>
+              <a:t>ALTER </a:t>
+            </a:r>
+            <a:r>
+              <a:rPr lang="en-US" sz="1600" dirty="0"/>
+              <a:t>TABLE hamsters ADD </a:t>
+            </a:r>
+            <a:r>
+              <a:rPr lang="en-US" sz="1600" dirty="0" err="1"/>
+              <a:t>learned_commands</a:t>
+            </a:r>
+            <a:r>
+              <a:rPr lang="en-US" sz="1600" dirty="0"/>
+              <a:t> </a:t>
+            </a:r>
+            <a:r>
+              <a:rPr lang="en-US" sz="1600" dirty="0" err="1"/>
+              <a:t>tinytext</a:t>
+            </a:r>
+            <a:r>
+              <a:rPr lang="en-US" sz="1600" dirty="0" smtClean="0"/>
+              <a:t>; </a:t>
+            </a:r>
+            <a:br>
+              <a:rPr lang="en-US" sz="1600" dirty="0" smtClean="0"/>
+            </a:br>
+            <a:r>
+              <a:rPr lang="en-US" sz="1600" dirty="0" smtClean="0"/>
+              <a:t>ALTER </a:t>
+            </a:r>
+            <a:r>
+              <a:rPr lang="en-US" sz="1600" dirty="0"/>
+              <a:t>TABLE horses ADD </a:t>
+            </a:r>
+            <a:r>
+              <a:rPr lang="en-US" sz="1600" dirty="0" err="1"/>
+              <a:t>learned_commands</a:t>
+            </a:r>
+            <a:r>
+              <a:rPr lang="en-US" sz="1600" dirty="0"/>
+              <a:t> </a:t>
+            </a:r>
+            <a:r>
+              <a:rPr lang="en-US" sz="1600" dirty="0" err="1"/>
+              <a:t>tinytext</a:t>
+            </a:r>
+            <a:r>
+              <a:rPr lang="en-US" sz="1600" dirty="0" smtClean="0"/>
+              <a:t>; </a:t>
+            </a:r>
+            <a:br>
+              <a:rPr lang="en-US" sz="1600" dirty="0" smtClean="0"/>
+            </a:br>
+            <a:r>
+              <a:rPr lang="en-US" sz="1600" dirty="0" smtClean="0"/>
+              <a:t>ALTER </a:t>
+            </a:r>
+            <a:r>
+              <a:rPr lang="en-US" sz="1600" dirty="0"/>
+              <a:t>TABLE camels ADD </a:t>
+            </a:r>
+            <a:r>
+              <a:rPr lang="en-US" sz="1600" dirty="0" err="1"/>
+              <a:t>learned_commands</a:t>
+            </a:r>
+            <a:r>
+              <a:rPr lang="en-US" sz="1600" dirty="0"/>
+              <a:t> </a:t>
+            </a:r>
+            <a:r>
+              <a:rPr lang="en-US" sz="1600" dirty="0" err="1"/>
+              <a:t>tinytext</a:t>
+            </a:r>
+            <a:r>
+              <a:rPr lang="en-US" sz="1600" dirty="0" smtClean="0"/>
+              <a:t>; </a:t>
+            </a:r>
+            <a:br>
+              <a:rPr lang="en-US" sz="1600" dirty="0" smtClean="0"/>
+            </a:br>
+            <a:r>
+              <a:rPr lang="en-US" sz="1600" dirty="0" smtClean="0"/>
+              <a:t>ALTER </a:t>
+            </a:r>
+            <a:r>
+              <a:rPr lang="en-US" sz="1600" dirty="0"/>
+              <a:t>TABLE donkeys ADD </a:t>
+            </a:r>
+            <a:r>
+              <a:rPr lang="en-US" sz="1600" dirty="0" err="1"/>
+              <a:t>learned_commands</a:t>
+            </a:r>
+            <a:r>
+              <a:rPr lang="en-US" sz="1600" dirty="0"/>
+              <a:t> </a:t>
+            </a:r>
+            <a:r>
+              <a:rPr lang="en-US" sz="1600" dirty="0" err="1"/>
+              <a:t>tinytext</a:t>
+            </a:r>
+            <a:r>
+              <a:rPr lang="en-US" sz="1600" dirty="0" smtClean="0"/>
+              <a:t>; </a:t>
+            </a:r>
+          </a:p>
+          <a:p>
+            <a:r>
+              <a:rPr lang="en-US" sz="1600" dirty="0"/>
+              <a:t>update cats set </a:t>
+            </a:r>
+            <a:r>
+              <a:rPr lang="en-US" sz="1600" dirty="0" err="1"/>
+              <a:t>learned_commands</a:t>
+            </a:r>
+            <a:r>
+              <a:rPr lang="en-US" sz="1600" dirty="0"/>
+              <a:t> = "sit, stay, serve" where breed &gt;0</a:t>
+            </a:r>
+            <a:r>
+              <a:rPr lang="en-US" sz="1600" dirty="0" smtClean="0"/>
+              <a:t>; </a:t>
+            </a:r>
+            <a:br>
+              <a:rPr lang="en-US" sz="1600" dirty="0" smtClean="0"/>
+            </a:br>
+            <a:r>
+              <a:rPr lang="en-US" sz="1600" dirty="0" smtClean="0"/>
+              <a:t>update </a:t>
+            </a:r>
+            <a:r>
+              <a:rPr lang="en-US" sz="1600" dirty="0"/>
+              <a:t>dogs set </a:t>
+            </a:r>
+            <a:r>
+              <a:rPr lang="en-US" sz="1600" dirty="0" err="1"/>
+              <a:t>learned_commands</a:t>
+            </a:r>
+            <a:r>
+              <a:rPr lang="en-US" sz="1600" dirty="0"/>
+              <a:t> = "sit, stay, serve" where breed &gt;0</a:t>
+            </a:r>
+            <a:r>
+              <a:rPr lang="en-US" sz="1600" dirty="0" smtClean="0"/>
+              <a:t>; </a:t>
+            </a:r>
+            <a:br>
+              <a:rPr lang="en-US" sz="1600" dirty="0" smtClean="0"/>
+            </a:br>
+            <a:r>
+              <a:rPr lang="en-US" sz="1600" dirty="0" smtClean="0"/>
+              <a:t>update </a:t>
+            </a:r>
+            <a:r>
+              <a:rPr lang="en-US" sz="1600" dirty="0"/>
+              <a:t>hamsters set </a:t>
+            </a:r>
+            <a:r>
+              <a:rPr lang="en-US" sz="1600" dirty="0" err="1"/>
+              <a:t>learned_commands</a:t>
+            </a:r>
+            <a:r>
+              <a:rPr lang="en-US" sz="1600" dirty="0"/>
+              <a:t> = "sit, stay, serve" where breed &gt;0</a:t>
+            </a:r>
+            <a:r>
+              <a:rPr lang="en-US" sz="1600" dirty="0" smtClean="0"/>
+              <a:t>; </a:t>
+            </a:r>
+            <a:br>
+              <a:rPr lang="en-US" sz="1600" dirty="0" smtClean="0"/>
+            </a:br>
+            <a:r>
+              <a:rPr lang="en-US" sz="1600" dirty="0" smtClean="0"/>
+              <a:t>update </a:t>
+            </a:r>
+            <a:r>
+              <a:rPr lang="en-US" sz="1600" dirty="0"/>
+              <a:t>horses set </a:t>
+            </a:r>
+            <a:r>
+              <a:rPr lang="en-US" sz="1600" dirty="0" err="1"/>
+              <a:t>learned_commands</a:t>
+            </a:r>
+            <a:r>
+              <a:rPr lang="en-US" sz="1600" dirty="0"/>
+              <a:t> = "sit, stay, serve" where breed &gt;</a:t>
+            </a:r>
+            <a:r>
+              <a:rPr lang="en-US" sz="1600" dirty="0" smtClean="0"/>
+              <a:t>0; </a:t>
+            </a:r>
+            <a:br>
+              <a:rPr lang="en-US" sz="1600" dirty="0" smtClean="0"/>
+            </a:br>
+            <a:r>
+              <a:rPr lang="en-US" sz="1600" dirty="0" smtClean="0"/>
+              <a:t>update </a:t>
+            </a:r>
+            <a:r>
+              <a:rPr lang="en-US" sz="1600" dirty="0"/>
+              <a:t>camels set </a:t>
+            </a:r>
+            <a:r>
+              <a:rPr lang="en-US" sz="1600" dirty="0" err="1"/>
+              <a:t>learned_commands</a:t>
+            </a:r>
+            <a:r>
+              <a:rPr lang="en-US" sz="1600" dirty="0"/>
+              <a:t> = "sit, stay, serve" where breed &gt;0</a:t>
+            </a:r>
+            <a:r>
+              <a:rPr lang="en-US" sz="1600" dirty="0" smtClean="0"/>
+              <a:t>; </a:t>
+            </a:r>
+            <a:br>
+              <a:rPr lang="en-US" sz="1600" dirty="0" smtClean="0"/>
+            </a:br>
+            <a:r>
+              <a:rPr lang="en-US" sz="1600" dirty="0" smtClean="0"/>
+              <a:t>update </a:t>
+            </a:r>
+            <a:r>
+              <a:rPr lang="en-US" sz="1600" dirty="0"/>
+              <a:t>donkeys set </a:t>
+            </a:r>
+            <a:r>
+              <a:rPr lang="en-US" sz="1600" dirty="0" err="1"/>
+              <a:t>learned_commands</a:t>
+            </a:r>
+            <a:r>
+              <a:rPr lang="en-US" sz="1600" dirty="0"/>
+              <a:t> = "sit, stay, serve" where breed &gt;0;</a:t>
+            </a:r>
+          </a:p>
+          <a:p>
+            <a:r>
+              <a:rPr lang="en-US" sz="1600" dirty="0" smtClean="0"/>
+              <a:t>SELECT </a:t>
+            </a:r>
+            <a:r>
+              <a:rPr lang="en-US" sz="1600" dirty="0"/>
+              <a:t>name, </a:t>
+            </a:r>
+            <a:r>
+              <a:rPr lang="en-US" sz="1600" dirty="0" err="1"/>
+              <a:t>birthyear</a:t>
+            </a:r>
+            <a:r>
+              <a:rPr lang="en-US" sz="1600" dirty="0"/>
+              <a:t>, breed, </a:t>
+            </a:r>
+            <a:r>
+              <a:rPr lang="en-US" sz="1600" dirty="0" err="1"/>
+              <a:t>learned_commands</a:t>
+            </a:r>
+            <a:r>
+              <a:rPr lang="en-US" sz="1600" dirty="0"/>
+              <a:t> FROM </a:t>
+            </a:r>
+            <a:r>
+              <a:rPr lang="en-US" sz="1600" dirty="0" smtClean="0"/>
+              <a:t>cats</a:t>
+            </a:r>
+            <a:r>
+              <a:rPr lang="ru-RU" sz="1600" dirty="0" smtClean="0"/>
+              <a:t> </a:t>
+            </a:r>
+            <a:r>
+              <a:rPr lang="en-US" sz="1600" dirty="0" smtClean="0"/>
+              <a:t>UNION </a:t>
+            </a:r>
+            <a:br>
+              <a:rPr lang="en-US" sz="1600" dirty="0" smtClean="0"/>
+            </a:br>
+            <a:r>
+              <a:rPr lang="en-US" sz="1600" dirty="0" smtClean="0"/>
+              <a:t>SELECT </a:t>
+            </a:r>
+            <a:r>
+              <a:rPr lang="en-US" sz="1600" dirty="0"/>
+              <a:t>name, </a:t>
+            </a:r>
+            <a:r>
+              <a:rPr lang="en-US" sz="1600" dirty="0" err="1"/>
+              <a:t>birthyear</a:t>
+            </a:r>
+            <a:r>
+              <a:rPr lang="en-US" sz="1600" dirty="0"/>
+              <a:t>, breed, </a:t>
+            </a:r>
+            <a:r>
+              <a:rPr lang="en-US" sz="1600" dirty="0" err="1"/>
+              <a:t>learned_commands</a:t>
+            </a:r>
+            <a:r>
+              <a:rPr lang="en-US" sz="1600" dirty="0"/>
+              <a:t> FROM </a:t>
+            </a:r>
+            <a:r>
+              <a:rPr lang="en-US" sz="1600" dirty="0" smtClean="0"/>
+              <a:t>dogs</a:t>
+            </a:r>
+            <a:r>
+              <a:rPr lang="ru-RU" sz="1600" dirty="0" smtClean="0"/>
+              <a:t> </a:t>
+            </a:r>
+            <a:r>
+              <a:rPr lang="en-US" sz="1600" dirty="0" smtClean="0"/>
+              <a:t>UNION</a:t>
+            </a:r>
+            <a:r>
+              <a:rPr lang="ru-RU" sz="1600" dirty="0" smtClean="0"/>
+              <a:t> </a:t>
+            </a:r>
+            <a:br>
+              <a:rPr lang="ru-RU" sz="1600" dirty="0" smtClean="0"/>
+            </a:br>
+            <a:r>
+              <a:rPr lang="en-US" sz="1600" dirty="0" smtClean="0"/>
+              <a:t>SELECT </a:t>
+            </a:r>
+            <a:r>
+              <a:rPr lang="en-US" sz="1600" dirty="0"/>
+              <a:t>name, </a:t>
+            </a:r>
+            <a:r>
+              <a:rPr lang="en-US" sz="1600" dirty="0" err="1"/>
+              <a:t>birthyear</a:t>
+            </a:r>
+            <a:r>
+              <a:rPr lang="en-US" sz="1600" dirty="0"/>
+              <a:t>, breed, </a:t>
+            </a:r>
+            <a:r>
+              <a:rPr lang="en-US" sz="1600" dirty="0" err="1"/>
+              <a:t>learned_commands</a:t>
+            </a:r>
+            <a:r>
+              <a:rPr lang="en-US" sz="1600" dirty="0"/>
+              <a:t> FROM </a:t>
+            </a:r>
+            <a:r>
+              <a:rPr lang="en-US" sz="1600" dirty="0" smtClean="0"/>
+              <a:t>hamsters</a:t>
+            </a:r>
+            <a:r>
+              <a:rPr lang="ru-RU" sz="1600" dirty="0" smtClean="0"/>
+              <a:t> </a:t>
+            </a:r>
+            <a:r>
+              <a:rPr lang="en-US" sz="1600" dirty="0" smtClean="0"/>
+              <a:t>UNION</a:t>
+            </a:r>
+            <a:r>
+              <a:rPr lang="ru-RU" sz="1600" dirty="0" smtClean="0"/>
+              <a:t> </a:t>
+            </a:r>
+            <a:br>
+              <a:rPr lang="ru-RU" sz="1600" dirty="0" smtClean="0"/>
+            </a:br>
+            <a:r>
+              <a:rPr lang="en-US" sz="1600" dirty="0" smtClean="0"/>
+              <a:t>SELECT </a:t>
+            </a:r>
+            <a:r>
+              <a:rPr lang="en-US" sz="1600" dirty="0"/>
+              <a:t>name, </a:t>
+            </a:r>
+            <a:r>
+              <a:rPr lang="en-US" sz="1600" dirty="0" err="1"/>
+              <a:t>birthyear</a:t>
+            </a:r>
+            <a:r>
+              <a:rPr lang="en-US" sz="1600" dirty="0"/>
+              <a:t>, breed, </a:t>
+            </a:r>
+            <a:r>
+              <a:rPr lang="en-US" sz="1600" dirty="0" err="1"/>
+              <a:t>learned_commands</a:t>
+            </a:r>
+            <a:r>
+              <a:rPr lang="en-US" sz="1600" dirty="0"/>
+              <a:t> from </a:t>
+            </a:r>
+            <a:r>
+              <a:rPr lang="en-US" sz="1600" dirty="0" smtClean="0"/>
+              <a:t>horses</a:t>
+            </a:r>
+            <a:r>
+              <a:rPr lang="ru-RU" sz="1600" dirty="0" smtClean="0"/>
+              <a:t> </a:t>
+            </a:r>
+            <a:r>
+              <a:rPr lang="en-US" sz="1600" dirty="0" smtClean="0"/>
+              <a:t>UNION</a:t>
+            </a:r>
+            <a:r>
+              <a:rPr lang="ru-RU" sz="1600" dirty="0" smtClean="0"/>
+              <a:t> </a:t>
+            </a:r>
+            <a:br>
+              <a:rPr lang="ru-RU" sz="1600" dirty="0" smtClean="0"/>
+            </a:br>
+            <a:r>
+              <a:rPr lang="en-US" sz="1600" dirty="0" smtClean="0"/>
+              <a:t>select </a:t>
+            </a:r>
+            <a:r>
+              <a:rPr lang="en-US" sz="1600" dirty="0"/>
+              <a:t>name, </a:t>
+            </a:r>
+            <a:r>
+              <a:rPr lang="en-US" sz="1600" dirty="0" err="1"/>
+              <a:t>birthyear</a:t>
+            </a:r>
+            <a:r>
+              <a:rPr lang="en-US" sz="1600" dirty="0"/>
+              <a:t>, breed, </a:t>
+            </a:r>
+            <a:r>
+              <a:rPr lang="en-US" sz="1600" dirty="0" err="1"/>
+              <a:t>learned_commands</a:t>
+            </a:r>
+            <a:r>
+              <a:rPr lang="en-US" sz="1600" dirty="0"/>
+              <a:t> from </a:t>
+            </a:r>
+            <a:r>
+              <a:rPr lang="en-US" sz="1600" dirty="0" smtClean="0"/>
+              <a:t>camels UNION </a:t>
+            </a:r>
+            <a:br>
+              <a:rPr lang="en-US" sz="1600" dirty="0" smtClean="0"/>
+            </a:br>
+            <a:r>
+              <a:rPr lang="en-US" sz="1600" dirty="0" smtClean="0"/>
+              <a:t>select </a:t>
+            </a:r>
+            <a:r>
+              <a:rPr lang="en-US" sz="1600" dirty="0"/>
+              <a:t>name, </a:t>
+            </a:r>
+            <a:r>
+              <a:rPr lang="en-US" sz="1600" dirty="0" err="1"/>
+              <a:t>birthyear</a:t>
+            </a:r>
+            <a:r>
+              <a:rPr lang="en-US" sz="1600" dirty="0"/>
+              <a:t>, breed, </a:t>
+            </a:r>
+            <a:r>
+              <a:rPr lang="en-US" sz="1600" dirty="0" err="1"/>
+              <a:t>learned_commands</a:t>
+            </a:r>
+            <a:r>
+              <a:rPr lang="en-US" sz="1600" dirty="0"/>
+              <a:t> from donkeys;</a:t>
+            </a:r>
+            <a:endParaRPr lang="ru-RU" sz="1600" dirty="0"/>
+          </a:p>
+        </p:txBody>
+      </p:sp>
+      <p:pic>
+        <p:nvPicPr>
+          <p:cNvPr id="5" name="Объект 4"/>
+          <p:cNvPicPr>
+            <a:picLocks noGrp="1" noChangeAspect="1"/>
+          </p:cNvPicPr>
+          <p:nvPr>
+            <p:ph sz="half" idx="2"/>
+          </p:nvPr>
+        </p:nvPicPr>
+        <p:blipFill>
+          <a:blip r:embed="rId2"/>
+          <a:stretch>
+            <a:fillRect/>
+          </a:stretch>
+        </p:blipFill>
+        <p:spPr>
+          <a:xfrm>
+            <a:off x="6633865" y="2305607"/>
+            <a:ext cx="4258269" cy="3391373"/>
+          </a:xfrm>
+          <a:prstGeom prst="rect">
+            <a:avLst/>
+          </a:prstGeom>
+        </p:spPr>
+      </p:pic>
+    </p:spTree>
+    <p:extLst>
+      <p:ext uri="{BB962C8B-B14F-4D97-AF65-F5344CB8AC3E}">
+        <p14:creationId xmlns:p14="http://schemas.microsoft.com/office/powerpoint/2010/main" val="635155878"/>
+      </p:ext>
+    </p:extLst>
+  </p:cSld>
+  <p:clrMapOvr>
+    <a:masterClrMapping/>
+  </p:clrMapOvr>
+</p:sld>
+</file>
+
+<file path=ppt/slides/slide13.xml><?xml version="1.0" encoding="utf-8"?>
+<p:sld xmlns:a="http://schemas.openxmlformats.org/drawingml/2006/main" xmlns:r="http://schemas.openxmlformats.org/officeDocument/2006/relationships" xmlns:p="http://schemas.openxmlformats.org/presentationml/2006/main">
+  <p:cSld>
+    <p:spTree>
+      <p:nvGrpSpPr>
+        <p:cNvPr id="1" name=""/>
+        <p:cNvGrpSpPr/>
+        <p:nvPr/>
+      </p:nvGrpSpPr>
+      <p:grpSpPr>
+        <a:xfrm>
+          <a:off x="0" y="0"/>
+          <a:ext cx="0" cy="0"/>
+          <a:chOff x="0" y="0"/>
+          <a:chExt cx="0" cy="0"/>
+        </a:xfrm>
+      </p:grpSpPr>
+      <p:sp>
+        <p:nvSpPr>
+          <p:cNvPr id="2" name="Заголовок 1"/>
+          <p:cNvSpPr>
+            <a:spLocks noGrp="1"/>
+          </p:cNvSpPr>
+          <p:nvPr>
+            <p:ph type="title"/>
+          </p:nvPr>
+        </p:nvSpPr>
+        <p:spPr/>
+        <p:txBody>
+          <a:bodyPr/>
+          <a:lstStyle/>
+          <a:p>
+            <a:r>
+              <a:rPr lang="ru-RU" dirty="0" smtClean="0"/>
+              <a:t>10) Верблюды уходят в закат</a:t>
+            </a:r>
+            <a:br>
+              <a:rPr lang="ru-RU" dirty="0" smtClean="0"/>
+            </a:br>
+            <a:r>
+              <a:rPr lang="ru-RU" sz="2000" i="1" dirty="0" smtClean="0"/>
+              <a:t>весь мир ждёт пока уйдут ослы</a:t>
+            </a:r>
+            <a:endParaRPr lang="ru-RU" sz="2000" i="1" dirty="0"/>
+          </a:p>
+        </p:txBody>
+      </p:sp>
+      <p:sp>
+        <p:nvSpPr>
+          <p:cNvPr id="3" name="Объект 2"/>
+          <p:cNvSpPr>
+            <a:spLocks noGrp="1"/>
+          </p:cNvSpPr>
+          <p:nvPr>
+            <p:ph sz="half" idx="1"/>
+          </p:nvPr>
+        </p:nvSpPr>
+        <p:spPr/>
+        <p:txBody>
+          <a:bodyPr/>
+          <a:lstStyle/>
+          <a:p>
+            <a:pPr marL="0" indent="0">
+              <a:buNone/>
+            </a:pPr>
+            <a:endParaRPr lang="ru-RU" dirty="0" smtClean="0"/>
+          </a:p>
+          <a:p>
+            <a:pPr marL="0" indent="0">
+              <a:buNone/>
+            </a:pPr>
+            <a:r>
+              <a:rPr lang="ru-RU" dirty="0" smtClean="0"/>
+              <a:t/>
+            </a:r>
+            <a:br>
+              <a:rPr lang="ru-RU" dirty="0" smtClean="0"/>
+            </a:br>
+            <a:endParaRPr lang="ru-RU" dirty="0"/>
+          </a:p>
+          <a:p>
+            <a:r>
+              <a:rPr lang="en-US" dirty="0" smtClean="0"/>
+              <a:t>DELETE </a:t>
+            </a:r>
+            <a:r>
+              <a:rPr lang="en-US" dirty="0"/>
+              <a:t>from camels where breed &gt; 0</a:t>
+            </a:r>
+            <a:r>
+              <a:rPr lang="en-US" dirty="0" smtClean="0"/>
+              <a:t>;</a:t>
+            </a:r>
+            <a:endParaRPr lang="ru-RU" dirty="0" smtClean="0"/>
+          </a:p>
+          <a:p>
+            <a:r>
+              <a:rPr lang="en-US" dirty="0" smtClean="0"/>
+              <a:t>SELECT </a:t>
+            </a:r>
+            <a:r>
+              <a:rPr lang="en-US" dirty="0"/>
+              <a:t>* from </a:t>
+            </a:r>
+            <a:r>
+              <a:rPr lang="en-US" dirty="0" smtClean="0"/>
+              <a:t>horses</a:t>
+            </a:r>
+            <a:r>
+              <a:rPr lang="ru-RU" dirty="0" smtClean="0"/>
+              <a:t> </a:t>
+            </a:r>
+            <a:br>
+              <a:rPr lang="ru-RU" dirty="0" smtClean="0"/>
+            </a:br>
+            <a:r>
+              <a:rPr lang="en-US" dirty="0" smtClean="0"/>
+              <a:t>UNION</a:t>
+            </a:r>
+            <a:r>
+              <a:rPr lang="ru-RU" dirty="0" smtClean="0"/>
+              <a:t> </a:t>
+            </a:r>
+            <a:br>
+              <a:rPr lang="ru-RU" dirty="0" smtClean="0"/>
+            </a:br>
+            <a:r>
+              <a:rPr lang="en-US" dirty="0" smtClean="0"/>
+              <a:t>select </a:t>
+            </a:r>
+            <a:r>
+              <a:rPr lang="en-US" dirty="0"/>
+              <a:t>* from donkeys;</a:t>
+            </a:r>
+            <a:endParaRPr lang="ru-RU" dirty="0"/>
+          </a:p>
+        </p:txBody>
+      </p:sp>
+      <p:pic>
+        <p:nvPicPr>
+          <p:cNvPr id="5" name="Объект 4"/>
+          <p:cNvPicPr>
+            <a:picLocks noGrp="1" noChangeAspect="1"/>
+          </p:cNvPicPr>
+          <p:nvPr>
+            <p:ph sz="half" idx="2"/>
+          </p:nvPr>
+        </p:nvPicPr>
+        <p:blipFill>
+          <a:blip r:embed="rId2"/>
+          <a:stretch>
+            <a:fillRect/>
+          </a:stretch>
+        </p:blipFill>
+        <p:spPr>
+          <a:xfrm>
+            <a:off x="6172200" y="3218029"/>
+            <a:ext cx="5181600" cy="1566530"/>
+          </a:xfrm>
+          <a:prstGeom prst="rect">
+            <a:avLst/>
+          </a:prstGeom>
+        </p:spPr>
+      </p:pic>
+    </p:spTree>
+    <p:extLst>
+      <p:ext uri="{BB962C8B-B14F-4D97-AF65-F5344CB8AC3E}">
+        <p14:creationId xmlns:p14="http://schemas.microsoft.com/office/powerpoint/2010/main" val="906211102"/>
+      </p:ext>
+    </p:extLst>
+  </p:cSld>
+  <p:clrMapOvr>
+    <a:masterClrMapping/>
+  </p:clrMapOvr>
+</p:sld>
+</file>
+
 <file path=ppt/slides/slide2.xml><?xml version="1.0" encoding="utf-8"?>
 <p:sld xmlns:a="http://schemas.openxmlformats.org/drawingml/2006/main" xmlns:r="http://schemas.openxmlformats.org/officeDocument/2006/relationships" xmlns:p="http://schemas.openxmlformats.org/presentationml/2006/main">
   <p:cSld>
@@ -4239,6 +6052,10 @@
           <a:lstStyle/>
           <a:p>
             <a:r>
+              <a:rPr lang="en-US" dirty="0" smtClean="0"/>
+              <a:t>6) </a:t>
+            </a:r>
+            <a:r>
               <a:rPr lang="ru-RU" dirty="0" smtClean="0"/>
               <a:t>Блок-схема</a:t>
             </a:r>
@@ -4316,6 +6133,170 @@
     <p:extLst>
       <p:ext uri="{BB962C8B-B14F-4D97-AF65-F5344CB8AC3E}">
         <p14:creationId xmlns:p14="http://schemas.microsoft.com/office/powerpoint/2010/main" val="3648920433"/>
+      </p:ext>
+    </p:extLst>
+  </p:cSld>
+  <p:clrMapOvr>
+    <a:masterClrMapping/>
+  </p:clrMapOvr>
+</p:sld>
+</file>
+
+<file path=ppt/slides/slide9.xml><?xml version="1.0" encoding="utf-8"?>
+<p:sld xmlns:a="http://schemas.openxmlformats.org/drawingml/2006/main" xmlns:r="http://schemas.openxmlformats.org/officeDocument/2006/relationships" xmlns:p="http://schemas.openxmlformats.org/presentationml/2006/main">
+  <p:cSld>
+    <p:spTree>
+      <p:nvGrpSpPr>
+        <p:cNvPr id="1" name=""/>
+        <p:cNvGrpSpPr/>
+        <p:nvPr/>
+      </p:nvGrpSpPr>
+      <p:grpSpPr>
+        <a:xfrm>
+          <a:off x="0" y="0"/>
+          <a:ext cx="0" cy="0"/>
+          <a:chOff x="0" y="0"/>
+          <a:chExt cx="0" cy="0"/>
+        </a:xfrm>
+      </p:grpSpPr>
+      <p:sp>
+        <p:nvSpPr>
+          <p:cNvPr id="2" name="Заголовок 1"/>
+          <p:cNvSpPr>
+            <a:spLocks noGrp="1"/>
+          </p:cNvSpPr>
+          <p:nvPr>
+            <p:ph type="title"/>
+          </p:nvPr>
+        </p:nvSpPr>
+        <p:spPr/>
+        <p:txBody>
+          <a:bodyPr/>
+          <a:lstStyle/>
+          <a:p>
+            <a:r>
+              <a:rPr lang="en-US" dirty="0" smtClean="0"/>
+              <a:t>7) </a:t>
+            </a:r>
+            <a:r>
+              <a:rPr lang="ru-RU" dirty="0" smtClean="0"/>
+              <a:t>В </a:t>
+            </a:r>
+            <a:r>
+              <a:rPr lang="ru-RU" dirty="0" err="1" smtClean="0"/>
+              <a:t>репозитории</a:t>
+            </a:r>
+            <a:r>
+              <a:rPr lang="ru-RU" dirty="0" smtClean="0"/>
+              <a:t> создаём </a:t>
+            </a:r>
+            <a:r>
+              <a:rPr lang="ru-RU" dirty="0" err="1" smtClean="0"/>
+              <a:t>бд</a:t>
+            </a:r>
+            <a:endParaRPr lang="ru-RU" dirty="0"/>
+          </a:p>
+        </p:txBody>
+      </p:sp>
+      <p:sp>
+        <p:nvSpPr>
+          <p:cNvPr id="3" name="Объект 2"/>
+          <p:cNvSpPr>
+            <a:spLocks noGrp="1"/>
+          </p:cNvSpPr>
+          <p:nvPr>
+            <p:ph idx="1"/>
+          </p:nvPr>
+        </p:nvSpPr>
+        <p:spPr/>
+        <p:txBody>
+          <a:bodyPr/>
+          <a:lstStyle/>
+          <a:p>
+            <a:pPr marL="0" indent="0">
+              <a:buNone/>
+            </a:pPr>
+            <a:r>
+              <a:rPr lang="ru-RU" dirty="0" smtClean="0"/>
+              <a:t>1)</a:t>
+            </a:r>
+          </a:p>
+          <a:p>
+            <a:pPr marL="0" indent="0">
+              <a:buNone/>
+            </a:pPr>
+            <a:endParaRPr lang="ru-RU" dirty="0"/>
+          </a:p>
+          <a:p>
+            <a:pPr marL="0" indent="0">
+              <a:buNone/>
+            </a:pPr>
+            <a:endParaRPr lang="ru-RU" dirty="0" smtClean="0"/>
+          </a:p>
+          <a:p>
+            <a:pPr marL="0" indent="0">
+              <a:buNone/>
+            </a:pPr>
+            <a:r>
+              <a:rPr lang="ru-RU" dirty="0" smtClean="0"/>
+              <a:t>2)</a:t>
+            </a:r>
+            <a:endParaRPr lang="ru-RU" dirty="0"/>
+          </a:p>
+        </p:txBody>
+      </p:sp>
+      <p:pic>
+        <p:nvPicPr>
+          <p:cNvPr id="5" name="Рисунок 4"/>
+          <p:cNvPicPr>
+            <a:picLocks noChangeAspect="1"/>
+          </p:cNvPicPr>
+          <p:nvPr/>
+        </p:nvPicPr>
+        <p:blipFill>
+          <a:blip r:embed="rId2"/>
+          <a:stretch>
+            <a:fillRect/>
+          </a:stretch>
+        </p:blipFill>
+        <p:spPr>
+          <a:xfrm>
+            <a:off x="1494918" y="3348740"/>
+            <a:ext cx="3667637" cy="1305107"/>
+          </a:xfrm>
+          <a:prstGeom prst="rect">
+            <a:avLst/>
+          </a:prstGeom>
+        </p:spPr>
+      </p:pic>
+      <p:pic>
+        <p:nvPicPr>
+          <p:cNvPr id="6" name="Рисунок 5"/>
+          <p:cNvPicPr>
+            <a:picLocks noChangeAspect="1"/>
+          </p:cNvPicPr>
+          <p:nvPr/>
+        </p:nvPicPr>
+        <p:blipFill>
+          <a:blip r:embed="rId3"/>
+          <a:stretch>
+            <a:fillRect/>
+          </a:stretch>
+        </p:blipFill>
+        <p:spPr>
+          <a:xfrm>
+            <a:off x="1494918" y="1829840"/>
+            <a:ext cx="4782217" cy="504895"/>
+          </a:xfrm>
+          <a:prstGeom prst="rect">
+            <a:avLst/>
+          </a:prstGeom>
+        </p:spPr>
+      </p:pic>
+    </p:spTree>
+    <p:extLst>
+      <p:ext uri="{BB962C8B-B14F-4D97-AF65-F5344CB8AC3E}">
+        <p14:creationId xmlns:p14="http://schemas.microsoft.com/office/powerpoint/2010/main" val="1731489539"/>
       </p:ext>
     </p:extLst>
   </p:cSld>
@@ -4580,7 +6561,7 @@
   <a:extraClrSchemeLst/>
   <a:extLst>
     <a:ext uri="{05A4C25C-085E-4340-85A3-A5531E510DB2}">
-      <thm15:themeFamily xmlns:thm15="http://schemas.microsoft.com/office/thememl/2012/main" xmlns="" name="Office Theme" id="{62F939B6-93AF-4DB8-9C6B-D6C7DFDC589F}" vid="{4A3C46E8-61CC-4603-A589-7422A47A8E4A}"/>
+      <thm15:themeFamily xmlns:thm15="http://schemas.microsoft.com/office/thememl/2012/main" name="Office Theme" id="{62F939B6-93AF-4DB8-9C6B-D6C7DFDC589F}" vid="{4A3C46E8-61CC-4603-A589-7422A47A8E4A}"/>
     </a:ext>
   </a:extLst>
 </a:theme>

--- a/report.pptx
+++ b/report.pptx
@@ -18,6 +18,8 @@
     <p:sldId id="267" r:id="rId12"/>
     <p:sldId id="268" r:id="rId13"/>
     <p:sldId id="269" r:id="rId14"/>
+    <p:sldId id="270" r:id="rId15"/>
+    <p:sldId id="271" r:id="rId16"/>
   </p:sldIdLst>
   <p:sldSz cx="12192000" cy="6858000"/>
   <p:notesSz cx="6858000" cy="9144000"/>
@@ -266,7 +268,7 @@
           <a:p>
             <a:fld id="{BA4B7FEF-7406-4DA0-A840-A184022FE48A}" type="datetimeFigureOut">
               <a:rPr lang="ru-RU" smtClean="0"/>
-              <a:t>27.07.2023</a:t>
+              <a:t>28.07.2023</a:t>
             </a:fld>
             <a:endParaRPr lang="ru-RU"/>
           </a:p>
@@ -436,7 +438,7 @@
           <a:p>
             <a:fld id="{BA4B7FEF-7406-4DA0-A840-A184022FE48A}" type="datetimeFigureOut">
               <a:rPr lang="ru-RU" smtClean="0"/>
-              <a:t>27.07.2023</a:t>
+              <a:t>28.07.2023</a:t>
             </a:fld>
             <a:endParaRPr lang="ru-RU"/>
           </a:p>
@@ -616,7 +618,7 @@
           <a:p>
             <a:fld id="{BA4B7FEF-7406-4DA0-A840-A184022FE48A}" type="datetimeFigureOut">
               <a:rPr lang="ru-RU" smtClean="0"/>
-              <a:t>27.07.2023</a:t>
+              <a:t>28.07.2023</a:t>
             </a:fld>
             <a:endParaRPr lang="ru-RU"/>
           </a:p>
@@ -786,7 +788,7 @@
           <a:p>
             <a:fld id="{BA4B7FEF-7406-4DA0-A840-A184022FE48A}" type="datetimeFigureOut">
               <a:rPr lang="ru-RU" smtClean="0"/>
-              <a:t>27.07.2023</a:t>
+              <a:t>28.07.2023</a:t>
             </a:fld>
             <a:endParaRPr lang="ru-RU"/>
           </a:p>
@@ -1032,7 +1034,7 @@
           <a:p>
             <a:fld id="{BA4B7FEF-7406-4DA0-A840-A184022FE48A}" type="datetimeFigureOut">
               <a:rPr lang="ru-RU" smtClean="0"/>
-              <a:t>27.07.2023</a:t>
+              <a:t>28.07.2023</a:t>
             </a:fld>
             <a:endParaRPr lang="ru-RU"/>
           </a:p>
@@ -1264,7 +1266,7 @@
           <a:p>
             <a:fld id="{BA4B7FEF-7406-4DA0-A840-A184022FE48A}" type="datetimeFigureOut">
               <a:rPr lang="ru-RU" smtClean="0"/>
-              <a:t>27.07.2023</a:t>
+              <a:t>28.07.2023</a:t>
             </a:fld>
             <a:endParaRPr lang="ru-RU"/>
           </a:p>
@@ -1631,7 +1633,7 @@
           <a:p>
             <a:fld id="{BA4B7FEF-7406-4DA0-A840-A184022FE48A}" type="datetimeFigureOut">
               <a:rPr lang="ru-RU" smtClean="0"/>
-              <a:t>27.07.2023</a:t>
+              <a:t>28.07.2023</a:t>
             </a:fld>
             <a:endParaRPr lang="ru-RU"/>
           </a:p>
@@ -1749,7 +1751,7 @@
           <a:p>
             <a:fld id="{BA4B7FEF-7406-4DA0-A840-A184022FE48A}" type="datetimeFigureOut">
               <a:rPr lang="ru-RU" smtClean="0"/>
-              <a:t>27.07.2023</a:t>
+              <a:t>28.07.2023</a:t>
             </a:fld>
             <a:endParaRPr lang="ru-RU"/>
           </a:p>
@@ -1844,7 +1846,7 @@
           <a:p>
             <a:fld id="{BA4B7FEF-7406-4DA0-A840-A184022FE48A}" type="datetimeFigureOut">
               <a:rPr lang="ru-RU" smtClean="0"/>
-              <a:t>27.07.2023</a:t>
+              <a:t>28.07.2023</a:t>
             </a:fld>
             <a:endParaRPr lang="ru-RU"/>
           </a:p>
@@ -2121,7 +2123,7 @@
           <a:p>
             <a:fld id="{BA4B7FEF-7406-4DA0-A840-A184022FE48A}" type="datetimeFigureOut">
               <a:rPr lang="ru-RU" smtClean="0"/>
-              <a:t>27.07.2023</a:t>
+              <a:t>28.07.2023</a:t>
             </a:fld>
             <a:endParaRPr lang="ru-RU"/>
           </a:p>
@@ -2374,7 +2376,7 @@
           <a:p>
             <a:fld id="{BA4B7FEF-7406-4DA0-A840-A184022FE48A}" type="datetimeFigureOut">
               <a:rPr lang="ru-RU" smtClean="0"/>
-              <a:t>27.07.2023</a:t>
+              <a:t>28.07.2023</a:t>
             </a:fld>
             <a:endParaRPr lang="ru-RU"/>
           </a:p>
@@ -2587,7 +2589,7 @@
           <a:p>
             <a:fld id="{BA4B7FEF-7406-4DA0-A840-A184022FE48A}" type="datetimeFigureOut">
               <a:rPr lang="ru-RU" smtClean="0"/>
-              <a:t>27.07.2023</a:t>
+              <a:t>28.07.2023</a:t>
             </a:fld>
             <a:endParaRPr lang="ru-RU"/>
           </a:p>
@@ -4859,6 +4861,407 @@
 </p:sld>
 </file>
 
+<file path=ppt/slides/slide14.xml><?xml version="1.0" encoding="utf-8"?>
+<p:sld xmlns:a="http://schemas.openxmlformats.org/drawingml/2006/main" xmlns:r="http://schemas.openxmlformats.org/officeDocument/2006/relationships" xmlns:p="http://schemas.openxmlformats.org/presentationml/2006/main">
+  <p:cSld>
+    <p:spTree>
+      <p:nvGrpSpPr>
+        <p:cNvPr id="1" name=""/>
+        <p:cNvGrpSpPr/>
+        <p:nvPr/>
+      </p:nvGrpSpPr>
+      <p:grpSpPr>
+        <a:xfrm>
+          <a:off x="0" y="0"/>
+          <a:ext cx="0" cy="0"/>
+          <a:chOff x="0" y="0"/>
+          <a:chExt cx="0" cy="0"/>
+        </a:xfrm>
+      </p:grpSpPr>
+      <p:sp>
+        <p:nvSpPr>
+          <p:cNvPr id="2" name="Заголовок 1"/>
+          <p:cNvSpPr>
+            <a:spLocks noGrp="1"/>
+          </p:cNvSpPr>
+          <p:nvPr>
+            <p:ph type="title"/>
+          </p:nvPr>
+        </p:nvSpPr>
+        <p:spPr/>
+        <p:txBody>
+          <a:bodyPr/>
+          <a:lstStyle/>
+          <a:p>
+            <a:r>
+              <a:rPr lang="ru-RU" dirty="0" smtClean="0"/>
+              <a:t>11)Дискриминируем по возрасту</a:t>
+            </a:r>
+            <a:endParaRPr lang="ru-RU" dirty="0"/>
+          </a:p>
+        </p:txBody>
+      </p:sp>
+      <p:sp>
+        <p:nvSpPr>
+          <p:cNvPr id="3" name="Объект 2"/>
+          <p:cNvSpPr>
+            <a:spLocks noGrp="1"/>
+          </p:cNvSpPr>
+          <p:nvPr>
+            <p:ph sz="half" idx="1"/>
+          </p:nvPr>
+        </p:nvSpPr>
+        <p:spPr/>
+        <p:txBody>
+          <a:bodyPr/>
+          <a:lstStyle/>
+          <a:p>
+            <a:pPr marL="0" indent="0">
+              <a:buNone/>
+            </a:pPr>
+            <a:r>
+              <a:rPr lang="ru-RU" dirty="0" smtClean="0"/>
+              <a:t>Мы пришли в точку в которой </a:t>
+            </a:r>
+            <a:br>
+              <a:rPr lang="ru-RU" dirty="0" smtClean="0"/>
+            </a:br>
+            <a:r>
+              <a:rPr lang="ru-RU" dirty="0" smtClean="0"/>
+              <a:t>уже не удобно просто вставлять код в презентацию.</a:t>
+            </a:r>
+            <a:br>
+              <a:rPr lang="ru-RU" dirty="0" smtClean="0"/>
+            </a:br>
+            <a:endParaRPr lang="ru-RU" dirty="0" smtClean="0"/>
+          </a:p>
+          <a:p>
+            <a:pPr marL="0" indent="0">
+              <a:buNone/>
+            </a:pPr>
+            <a:r>
+              <a:rPr lang="ru-RU" dirty="0" smtClean="0"/>
+              <a:t>Решение в </a:t>
+            </a:r>
+            <a:r>
+              <a:rPr lang="ru-RU" dirty="0" err="1" smtClean="0"/>
+              <a:t>репозитории</a:t>
+            </a:r>
+            <a:r>
+              <a:rPr lang="ru-RU" dirty="0" smtClean="0"/>
+              <a:t> по адресу </a:t>
+            </a:r>
+            <a:r>
+              <a:rPr lang="en-US" dirty="0" smtClean="0"/>
+              <a:t>/task11.sql, </a:t>
+            </a:r>
+            <a:r>
+              <a:rPr lang="ru-RU" dirty="0" smtClean="0"/>
+              <a:t>а скриншот – подтверждение того что оно работает внутри </a:t>
+            </a:r>
+            <a:r>
+              <a:rPr lang="ru-RU" dirty="0" err="1" smtClean="0"/>
+              <a:t>репозитория</a:t>
+            </a:r>
+            <a:r>
+              <a:rPr lang="ru-RU" dirty="0" smtClean="0"/>
+              <a:t> развёрнутого на </a:t>
+            </a:r>
+            <a:r>
+              <a:rPr lang="ru-RU" dirty="0" err="1" smtClean="0"/>
+              <a:t>в.м</a:t>
+            </a:r>
+            <a:r>
+              <a:rPr lang="ru-RU" dirty="0" smtClean="0"/>
+              <a:t>.</a:t>
+            </a:r>
+            <a:endParaRPr lang="en-US" dirty="0" smtClean="0"/>
+          </a:p>
+          <a:p>
+            <a:pPr marL="0" indent="0">
+              <a:buNone/>
+            </a:pPr>
+            <a:endParaRPr lang="ru-RU" dirty="0" smtClean="0"/>
+          </a:p>
+        </p:txBody>
+      </p:sp>
+      <p:sp>
+        <p:nvSpPr>
+          <p:cNvPr id="6" name="Объект 5"/>
+          <p:cNvSpPr>
+            <a:spLocks noGrp="1"/>
+          </p:cNvSpPr>
+          <p:nvPr>
+            <p:ph sz="half" idx="2"/>
+          </p:nvPr>
+        </p:nvSpPr>
+        <p:spPr/>
+        <p:txBody>
+          <a:bodyPr/>
+          <a:lstStyle/>
+          <a:p>
+            <a:pPr marL="0" indent="0">
+              <a:buNone/>
+            </a:pPr>
+            <a:r>
+              <a:rPr lang="ru-RU" sz="2000" dirty="0" smtClean="0"/>
+              <a:t>С </a:t>
+            </a:r>
+            <a:r>
+              <a:rPr lang="ru-RU" sz="2000" dirty="0" err="1" smtClean="0"/>
+              <a:t>воркбенча</a:t>
+            </a:r>
+            <a:r>
+              <a:rPr lang="ru-RU" sz="2000" dirty="0" smtClean="0"/>
+              <a:t>(</a:t>
+            </a:r>
+            <a:r>
+              <a:rPr lang="ru-RU" sz="2000" i="1" dirty="0" smtClean="0"/>
+              <a:t>подключился по </a:t>
+            </a:r>
+            <a:r>
+              <a:rPr lang="en-US" sz="2000" i="1" dirty="0" err="1" smtClean="0"/>
+              <a:t>ssh</a:t>
+            </a:r>
+            <a:r>
+              <a:rPr lang="en-US" sz="2000" i="1" dirty="0" smtClean="0"/>
+              <a:t> </a:t>
+            </a:r>
+            <a:r>
+              <a:rPr lang="en-US" sz="1600" i="1" dirty="0" smtClean="0"/>
+              <a:t>^^</a:t>
+            </a:r>
+            <a:r>
+              <a:rPr lang="ru-RU" dirty="0" smtClean="0"/>
+              <a:t>):</a:t>
+            </a:r>
+            <a:endParaRPr lang="en-US" dirty="0" smtClean="0"/>
+          </a:p>
+          <a:p>
+            <a:pPr marL="0" indent="0">
+              <a:buNone/>
+            </a:pPr>
+            <a:endParaRPr lang="en-US" dirty="0"/>
+          </a:p>
+          <a:p>
+            <a:pPr marL="0" indent="0">
+              <a:buNone/>
+            </a:pPr>
+            <a:endParaRPr lang="en-US" dirty="0" smtClean="0"/>
+          </a:p>
+          <a:p>
+            <a:pPr marL="0" indent="0">
+              <a:buNone/>
+            </a:pPr>
+            <a:endParaRPr lang="en-US" dirty="0"/>
+          </a:p>
+          <a:p>
+            <a:pPr marL="0" indent="0">
+              <a:buNone/>
+            </a:pPr>
+            <a:r>
+              <a:rPr lang="en-US" sz="2400" dirty="0" smtClean="0"/>
+              <a:t>C </a:t>
+            </a:r>
+            <a:r>
+              <a:rPr lang="ru-RU" sz="2400" dirty="0" smtClean="0"/>
+              <a:t>терминала</a:t>
+            </a:r>
+            <a:r>
+              <a:rPr lang="ru-RU" dirty="0" smtClean="0"/>
+              <a:t>:</a:t>
+            </a:r>
+            <a:endParaRPr lang="en-US" dirty="0" smtClean="0"/>
+          </a:p>
+          <a:p>
+            <a:pPr marL="0" indent="0">
+              <a:buNone/>
+            </a:pPr>
+            <a:endParaRPr lang="ru-RU" dirty="0" smtClean="0"/>
+          </a:p>
+        </p:txBody>
+      </p:sp>
+      <p:pic>
+        <p:nvPicPr>
+          <p:cNvPr id="8" name="Рисунок 7"/>
+          <p:cNvPicPr>
+            <a:picLocks noChangeAspect="1"/>
+          </p:cNvPicPr>
+          <p:nvPr/>
+        </p:nvPicPr>
+        <p:blipFill>
+          <a:blip r:embed="rId2"/>
+          <a:stretch>
+            <a:fillRect/>
+          </a:stretch>
+        </p:blipFill>
+        <p:spPr>
+          <a:xfrm>
+            <a:off x="6428424" y="2259583"/>
+            <a:ext cx="2848373" cy="1400370"/>
+          </a:xfrm>
+          <a:prstGeom prst="rect">
+            <a:avLst/>
+          </a:prstGeom>
+        </p:spPr>
+      </p:pic>
+      <p:pic>
+        <p:nvPicPr>
+          <p:cNvPr id="9" name="Рисунок 8"/>
+          <p:cNvPicPr>
+            <a:picLocks noChangeAspect="1"/>
+          </p:cNvPicPr>
+          <p:nvPr/>
+        </p:nvPicPr>
+        <p:blipFill>
+          <a:blip r:embed="rId3"/>
+          <a:stretch>
+            <a:fillRect/>
+          </a:stretch>
+        </p:blipFill>
+        <p:spPr>
+          <a:xfrm>
+            <a:off x="6172200" y="4320897"/>
+            <a:ext cx="4086795" cy="1991003"/>
+          </a:xfrm>
+          <a:prstGeom prst="rect">
+            <a:avLst/>
+          </a:prstGeom>
+        </p:spPr>
+      </p:pic>
+    </p:spTree>
+    <p:extLst>
+      <p:ext uri="{BB962C8B-B14F-4D97-AF65-F5344CB8AC3E}">
+        <p14:creationId xmlns:p14="http://schemas.microsoft.com/office/powerpoint/2010/main" val="2394006343"/>
+      </p:ext>
+    </p:extLst>
+  </p:cSld>
+  <p:clrMapOvr>
+    <a:masterClrMapping/>
+  </p:clrMapOvr>
+</p:sld>
+</file>
+
+<file path=ppt/slides/slide15.xml><?xml version="1.0" encoding="utf-8"?>
+<p:sld xmlns:a="http://schemas.openxmlformats.org/drawingml/2006/main" xmlns:r="http://schemas.openxmlformats.org/officeDocument/2006/relationships" xmlns:p="http://schemas.openxmlformats.org/presentationml/2006/main">
+  <p:cSld>
+    <p:spTree>
+      <p:nvGrpSpPr>
+        <p:cNvPr id="1" name=""/>
+        <p:cNvGrpSpPr/>
+        <p:nvPr/>
+      </p:nvGrpSpPr>
+      <p:grpSpPr>
+        <a:xfrm>
+          <a:off x="0" y="0"/>
+          <a:ext cx="0" cy="0"/>
+          <a:chOff x="0" y="0"/>
+          <a:chExt cx="0" cy="0"/>
+        </a:xfrm>
+      </p:grpSpPr>
+      <p:sp>
+        <p:nvSpPr>
+          <p:cNvPr id="2" name="Заголовок 1"/>
+          <p:cNvSpPr>
+            <a:spLocks noGrp="1"/>
+          </p:cNvSpPr>
+          <p:nvPr>
+            <p:ph type="title"/>
+          </p:nvPr>
+        </p:nvSpPr>
+        <p:spPr/>
+        <p:txBody>
+          <a:bodyPr/>
+          <a:lstStyle/>
+          <a:p>
+            <a:r>
+              <a:rPr lang="en-US" dirty="0" smtClean="0"/>
+              <a:t>12</a:t>
+            </a:r>
+            <a:r>
+              <a:rPr lang="ru-RU" dirty="0" smtClean="0"/>
+              <a:t>. Объединяем таблицы с примечаниями</a:t>
+            </a:r>
+            <a:endParaRPr lang="ru-RU" dirty="0"/>
+          </a:p>
+        </p:txBody>
+      </p:sp>
+      <p:sp>
+        <p:nvSpPr>
+          <p:cNvPr id="3" name="Объект 2"/>
+          <p:cNvSpPr>
+            <a:spLocks noGrp="1"/>
+          </p:cNvSpPr>
+          <p:nvPr>
+            <p:ph sz="half" idx="1"/>
+          </p:nvPr>
+        </p:nvSpPr>
+        <p:spPr/>
+        <p:txBody>
+          <a:bodyPr/>
+          <a:lstStyle/>
+          <a:p>
+            <a:pPr marL="0" indent="0">
+              <a:buNone/>
+            </a:pPr>
+            <a:r>
+              <a:rPr lang="ru-RU" dirty="0" smtClean="0"/>
+              <a:t>Решение по адресу</a:t>
+            </a:r>
+            <a:br>
+              <a:rPr lang="ru-RU" dirty="0" smtClean="0"/>
+            </a:br>
+            <a:r>
+              <a:rPr lang="ru-RU" dirty="0" smtClean="0"/>
+              <a:t>/</a:t>
+            </a:r>
+            <a:r>
+              <a:rPr lang="en-US" dirty="0" smtClean="0"/>
+              <a:t>task12.sql</a:t>
+            </a:r>
+            <a:endParaRPr lang="ru-RU" dirty="0"/>
+          </a:p>
+        </p:txBody>
+      </p:sp>
+      <p:pic>
+        <p:nvPicPr>
+          <p:cNvPr id="7" name="Объект 6"/>
+          <p:cNvPicPr>
+            <a:picLocks noGrp="1" noChangeAspect="1"/>
+          </p:cNvPicPr>
+          <p:nvPr>
+            <p:ph sz="half" idx="2"/>
+          </p:nvPr>
+        </p:nvPicPr>
+        <p:blipFill>
+          <a:blip r:embed="rId2"/>
+          <a:stretch>
+            <a:fillRect/>
+          </a:stretch>
+        </p:blipFill>
+        <p:spPr>
+          <a:xfrm>
+            <a:off x="6096000" y="1825625"/>
+            <a:ext cx="5181600" cy="2228797"/>
+          </a:xfrm>
+          <a:prstGeom prst="rect">
+            <a:avLst/>
+          </a:prstGeom>
+        </p:spPr>
+      </p:pic>
+    </p:spTree>
+    <p:extLst>
+      <p:ext uri="{BB962C8B-B14F-4D97-AF65-F5344CB8AC3E}">
+        <p14:creationId xmlns:p14="http://schemas.microsoft.com/office/powerpoint/2010/main" val="3126294721"/>
+      </p:ext>
+    </p:extLst>
+  </p:cSld>
+  <p:clrMapOvr>
+    <a:masterClrMapping/>
+  </p:clrMapOvr>
+</p:sld>
+</file>
+
 <file path=ppt/slides/slide2.xml><?xml version="1.0" encoding="utf-8"?>
 <p:sld xmlns:a="http://schemas.openxmlformats.org/drawingml/2006/main" xmlns:r="http://schemas.openxmlformats.org/officeDocument/2006/relationships" xmlns:p="http://schemas.openxmlformats.org/presentationml/2006/main">
   <p:cSld>

--- a/report.pptx
+++ b/report.pptx
@@ -20,6 +20,7 @@
     <p:sldId id="269" r:id="rId14"/>
     <p:sldId id="270" r:id="rId15"/>
     <p:sldId id="271" r:id="rId16"/>
+    <p:sldId id="272" r:id="rId17"/>
   </p:sldIdLst>
   <p:sldSz cx="12192000" cy="6858000"/>
   <p:notesSz cx="6858000" cy="9144000"/>
@@ -268,7 +269,7 @@
           <a:p>
             <a:fld id="{BA4B7FEF-7406-4DA0-A840-A184022FE48A}" type="datetimeFigureOut">
               <a:rPr lang="ru-RU" smtClean="0"/>
-              <a:t>28.07.2023</a:t>
+              <a:t>01.08.2023</a:t>
             </a:fld>
             <a:endParaRPr lang="ru-RU"/>
           </a:p>
@@ -438,7 +439,7 @@
           <a:p>
             <a:fld id="{BA4B7FEF-7406-4DA0-A840-A184022FE48A}" type="datetimeFigureOut">
               <a:rPr lang="ru-RU" smtClean="0"/>
-              <a:t>28.07.2023</a:t>
+              <a:t>01.08.2023</a:t>
             </a:fld>
             <a:endParaRPr lang="ru-RU"/>
           </a:p>
@@ -618,7 +619,7 @@
           <a:p>
             <a:fld id="{BA4B7FEF-7406-4DA0-A840-A184022FE48A}" type="datetimeFigureOut">
               <a:rPr lang="ru-RU" smtClean="0"/>
-              <a:t>28.07.2023</a:t>
+              <a:t>01.08.2023</a:t>
             </a:fld>
             <a:endParaRPr lang="ru-RU"/>
           </a:p>
@@ -788,7 +789,7 @@
           <a:p>
             <a:fld id="{BA4B7FEF-7406-4DA0-A840-A184022FE48A}" type="datetimeFigureOut">
               <a:rPr lang="ru-RU" smtClean="0"/>
-              <a:t>28.07.2023</a:t>
+              <a:t>01.08.2023</a:t>
             </a:fld>
             <a:endParaRPr lang="ru-RU"/>
           </a:p>
@@ -1034,7 +1035,7 @@
           <a:p>
             <a:fld id="{BA4B7FEF-7406-4DA0-A840-A184022FE48A}" type="datetimeFigureOut">
               <a:rPr lang="ru-RU" smtClean="0"/>
-              <a:t>28.07.2023</a:t>
+              <a:t>01.08.2023</a:t>
             </a:fld>
             <a:endParaRPr lang="ru-RU"/>
           </a:p>
@@ -1266,7 +1267,7 @@
           <a:p>
             <a:fld id="{BA4B7FEF-7406-4DA0-A840-A184022FE48A}" type="datetimeFigureOut">
               <a:rPr lang="ru-RU" smtClean="0"/>
-              <a:t>28.07.2023</a:t>
+              <a:t>01.08.2023</a:t>
             </a:fld>
             <a:endParaRPr lang="ru-RU"/>
           </a:p>
@@ -1633,7 +1634,7 @@
           <a:p>
             <a:fld id="{BA4B7FEF-7406-4DA0-A840-A184022FE48A}" type="datetimeFigureOut">
               <a:rPr lang="ru-RU" smtClean="0"/>
-              <a:t>28.07.2023</a:t>
+              <a:t>01.08.2023</a:t>
             </a:fld>
             <a:endParaRPr lang="ru-RU"/>
           </a:p>
@@ -1751,7 +1752,7 @@
           <a:p>
             <a:fld id="{BA4B7FEF-7406-4DA0-A840-A184022FE48A}" type="datetimeFigureOut">
               <a:rPr lang="ru-RU" smtClean="0"/>
-              <a:t>28.07.2023</a:t>
+              <a:t>01.08.2023</a:t>
             </a:fld>
             <a:endParaRPr lang="ru-RU"/>
           </a:p>
@@ -1846,7 +1847,7 @@
           <a:p>
             <a:fld id="{BA4B7FEF-7406-4DA0-A840-A184022FE48A}" type="datetimeFigureOut">
               <a:rPr lang="ru-RU" smtClean="0"/>
-              <a:t>28.07.2023</a:t>
+              <a:t>01.08.2023</a:t>
             </a:fld>
             <a:endParaRPr lang="ru-RU"/>
           </a:p>
@@ -2123,7 +2124,7 @@
           <a:p>
             <a:fld id="{BA4B7FEF-7406-4DA0-A840-A184022FE48A}" type="datetimeFigureOut">
               <a:rPr lang="ru-RU" smtClean="0"/>
-              <a:t>28.07.2023</a:t>
+              <a:t>01.08.2023</a:t>
             </a:fld>
             <a:endParaRPr lang="ru-RU"/>
           </a:p>
@@ -2376,7 +2377,7 @@
           <a:p>
             <a:fld id="{BA4B7FEF-7406-4DA0-A840-A184022FE48A}" type="datetimeFigureOut">
               <a:rPr lang="ru-RU" smtClean="0"/>
-              <a:t>28.07.2023</a:t>
+              <a:t>01.08.2023</a:t>
             </a:fld>
             <a:endParaRPr lang="ru-RU"/>
           </a:p>
@@ -2589,7 +2590,7 @@
           <a:p>
             <a:fld id="{BA4B7FEF-7406-4DA0-A840-A184022FE48A}" type="datetimeFigureOut">
               <a:rPr lang="ru-RU" smtClean="0"/>
-              <a:t>28.07.2023</a:t>
+              <a:t>01.08.2023</a:t>
             </a:fld>
             <a:endParaRPr lang="ru-RU"/>
           </a:p>
@@ -5262,6 +5263,269 @@
 </p:sld>
 </file>
 
+<file path=ppt/slides/slide16.xml><?xml version="1.0" encoding="utf-8"?>
+<p:sld xmlns:a="http://schemas.openxmlformats.org/drawingml/2006/main" xmlns:r="http://schemas.openxmlformats.org/officeDocument/2006/relationships" xmlns:p="http://schemas.openxmlformats.org/presentationml/2006/main">
+  <p:cSld>
+    <p:spTree>
+      <p:nvGrpSpPr>
+        <p:cNvPr id="1" name=""/>
+        <p:cNvGrpSpPr/>
+        <p:nvPr/>
+      </p:nvGrpSpPr>
+      <p:grpSpPr>
+        <a:xfrm>
+          <a:off x="0" y="0"/>
+          <a:ext cx="0" cy="0"/>
+          <a:chOff x="0" y="0"/>
+          <a:chExt cx="0" cy="0"/>
+        </a:xfrm>
+      </p:grpSpPr>
+      <p:sp>
+        <p:nvSpPr>
+          <p:cNvPr id="2" name="Заголовок 1"/>
+          <p:cNvSpPr>
+            <a:spLocks noGrp="1"/>
+          </p:cNvSpPr>
+          <p:nvPr>
+            <p:ph type="title"/>
+          </p:nvPr>
+        </p:nvSpPr>
+        <p:spPr/>
+        <p:txBody>
+          <a:bodyPr/>
+          <a:lstStyle/>
+          <a:p>
+            <a:r>
+              <a:rPr lang="ru-RU" dirty="0" smtClean="0"/>
+              <a:t>13) Наследование-инкапсуляция</a:t>
+            </a:r>
+            <a:endParaRPr lang="ru-RU" dirty="0"/>
+          </a:p>
+        </p:txBody>
+      </p:sp>
+      <p:sp>
+        <p:nvSpPr>
+          <p:cNvPr id="3" name="Объект 2"/>
+          <p:cNvSpPr>
+            <a:spLocks noGrp="1"/>
+          </p:cNvSpPr>
+          <p:nvPr>
+            <p:ph idx="1"/>
+          </p:nvPr>
+        </p:nvSpPr>
+        <p:spPr/>
+        <p:txBody>
+          <a:bodyPr numCol="3"/>
+          <a:lstStyle/>
+          <a:p>
+            <a:pPr marL="0" indent="0" algn="ctr">
+              <a:buNone/>
+            </a:pPr>
+            <a:endParaRPr lang="en-US" dirty="0" smtClean="0"/>
+          </a:p>
+          <a:p>
+            <a:pPr marL="0" indent="0" algn="ctr">
+              <a:buNone/>
+            </a:pPr>
+            <a:endParaRPr lang="en-US" dirty="0" smtClean="0"/>
+          </a:p>
+          <a:p>
+            <a:pPr marL="0" indent="0" algn="ctr">
+              <a:buNone/>
+            </a:pPr>
+            <a:r>
+              <a:rPr lang="en-US" dirty="0" smtClean="0"/>
+              <a:t>animalDomestic.java</a:t>
+            </a:r>
+          </a:p>
+          <a:p>
+            <a:pPr marL="0" indent="0" algn="ctr">
+              <a:buNone/>
+            </a:pPr>
+            <a:r>
+              <a:rPr lang="en-US" sz="2000" dirty="0" smtClean="0"/>
+              <a:t>(</a:t>
+            </a:r>
+            <a:r>
+              <a:rPr lang="ru-RU" sz="2000" dirty="0" smtClean="0"/>
+              <a:t>внутри </a:t>
+            </a:r>
+            <a:r>
+              <a:rPr lang="en-US" sz="2000" dirty="0" smtClean="0"/>
+              <a:t>domestic_pets.java)</a:t>
+            </a:r>
+          </a:p>
+          <a:p>
+            <a:pPr marL="0" indent="0" algn="ctr">
+              <a:buNone/>
+            </a:pPr>
+            <a:r>
+              <a:rPr lang="en-US" sz="2000" dirty="0" smtClean="0"/>
+              <a:t>Cat</a:t>
+            </a:r>
+          </a:p>
+          <a:p>
+            <a:pPr marL="0" indent="0" algn="ctr">
+              <a:buNone/>
+            </a:pPr>
+            <a:r>
+              <a:rPr lang="en-US" sz="2000" dirty="0" smtClean="0"/>
+              <a:t>Dog</a:t>
+            </a:r>
+          </a:p>
+          <a:p>
+            <a:pPr marL="0" indent="0" algn="ctr">
+              <a:buNone/>
+            </a:pPr>
+            <a:r>
+              <a:rPr lang="en-US" sz="2000" dirty="0" smtClean="0"/>
+              <a:t>Hamster</a:t>
+            </a:r>
+          </a:p>
+          <a:p>
+            <a:pPr marL="0" indent="0" algn="ctr">
+              <a:buNone/>
+            </a:pPr>
+            <a:endParaRPr lang="en-US" sz="1800" dirty="0" smtClean="0"/>
+          </a:p>
+          <a:p>
+            <a:pPr marL="0" indent="0" algn="just">
+              <a:buNone/>
+            </a:pPr>
+            <a:endParaRPr lang="en-US" smtClean="0"/>
+          </a:p>
+          <a:p>
+            <a:pPr marL="0" indent="0" algn="ctr">
+              <a:buNone/>
+            </a:pPr>
+            <a:r>
+              <a:rPr lang="en-US" dirty="0" smtClean="0"/>
+              <a:t>AnimalClass.java</a:t>
+            </a:r>
+          </a:p>
+          <a:p>
+            <a:pPr marL="0" indent="0" algn="ctr">
+              <a:buNone/>
+            </a:pPr>
+            <a:endParaRPr lang="en-US" dirty="0"/>
+          </a:p>
+          <a:p>
+            <a:pPr marL="0" indent="0" algn="ctr">
+              <a:buNone/>
+            </a:pPr>
+            <a:endParaRPr lang="en-US" dirty="0" smtClean="0"/>
+          </a:p>
+          <a:p>
+            <a:pPr marL="0" indent="0" algn="ctr">
+              <a:buNone/>
+            </a:pPr>
+            <a:endParaRPr lang="en-US" dirty="0"/>
+          </a:p>
+          <a:p>
+            <a:pPr marL="0" indent="0" algn="ctr">
+              <a:buNone/>
+            </a:pPr>
+            <a:endParaRPr lang="en-US" dirty="0" smtClean="0"/>
+          </a:p>
+          <a:p>
+            <a:pPr marL="0" indent="0" algn="ctr">
+              <a:buNone/>
+            </a:pPr>
+            <a:endParaRPr lang="en-US" dirty="0"/>
+          </a:p>
+          <a:p>
+            <a:pPr marL="0" indent="0" algn="ctr">
+              <a:buNone/>
+            </a:pPr>
+            <a:endParaRPr lang="en-US" dirty="0" smtClean="0"/>
+          </a:p>
+          <a:p>
+            <a:pPr marL="0" indent="0" algn="ctr">
+              <a:buNone/>
+            </a:pPr>
+            <a:endParaRPr lang="en-US" dirty="0"/>
+          </a:p>
+          <a:p>
+            <a:pPr marL="0" indent="0" algn="ctr">
+              <a:buNone/>
+            </a:pPr>
+            <a:endParaRPr lang="en-US" dirty="0" smtClean="0"/>
+          </a:p>
+          <a:p>
+            <a:pPr marL="0" indent="0" algn="ctr">
+              <a:buNone/>
+            </a:pPr>
+            <a:endParaRPr lang="en-US" dirty="0" smtClean="0"/>
+          </a:p>
+          <a:p>
+            <a:pPr marL="0" indent="0" algn="ctr">
+              <a:buNone/>
+            </a:pPr>
+            <a:r>
+              <a:rPr lang="en-US" dirty="0" smtClean="0"/>
+              <a:t>animalLaborForce.java</a:t>
+            </a:r>
+          </a:p>
+          <a:p>
+            <a:pPr marL="0" indent="0" algn="ctr">
+              <a:buNone/>
+            </a:pPr>
+            <a:r>
+              <a:rPr lang="en-US" sz="2000" dirty="0" smtClean="0"/>
+              <a:t>(</a:t>
+            </a:r>
+            <a:r>
+              <a:rPr lang="ru-RU" sz="2000" dirty="0" smtClean="0"/>
+              <a:t>внутри </a:t>
+            </a:r>
+            <a:r>
+              <a:rPr lang="en-US" sz="2000" dirty="0" smtClean="0"/>
+              <a:t>labor_pets.java)</a:t>
+            </a:r>
+          </a:p>
+          <a:p>
+            <a:pPr marL="0" indent="0" algn="ctr">
+              <a:buNone/>
+            </a:pPr>
+            <a:r>
+              <a:rPr lang="en-US" sz="2000" dirty="0" smtClean="0"/>
+              <a:t>Horse</a:t>
+            </a:r>
+          </a:p>
+          <a:p>
+            <a:pPr marL="0" indent="0" algn="ctr">
+              <a:buNone/>
+            </a:pPr>
+            <a:r>
+              <a:rPr lang="en-US" sz="2000" dirty="0" smtClean="0"/>
+              <a:t>Camel</a:t>
+            </a:r>
+          </a:p>
+          <a:p>
+            <a:pPr marL="0" indent="0" algn="ctr">
+              <a:buNone/>
+            </a:pPr>
+            <a:r>
+              <a:rPr lang="en-US" sz="2000" dirty="0" smtClean="0"/>
+              <a:t>Donkey</a:t>
+            </a:r>
+            <a:endParaRPr lang="en-US" dirty="0" smtClean="0"/>
+          </a:p>
+        </p:txBody>
+      </p:sp>
+    </p:spTree>
+    <p:extLst>
+      <p:ext uri="{BB962C8B-B14F-4D97-AF65-F5344CB8AC3E}">
+        <p14:creationId xmlns:p14="http://schemas.microsoft.com/office/powerpoint/2010/main" val="416443820"/>
+      </p:ext>
+    </p:extLst>
+  </p:cSld>
+  <p:clrMapOvr>
+    <a:masterClrMapping/>
+  </p:clrMapOvr>
+</p:sld>
+</file>
+
 <file path=ppt/slides/slide2.xml><?xml version="1.0" encoding="utf-8"?>
 <p:sld xmlns:a="http://schemas.openxmlformats.org/drawingml/2006/main" xmlns:r="http://schemas.openxmlformats.org/officeDocument/2006/relationships" xmlns:p="http://schemas.openxmlformats.org/presentationml/2006/main">
   <p:cSld>

--- a/report.pptx
+++ b/report.pptx
@@ -21,6 +21,8 @@
     <p:sldId id="270" r:id="rId15"/>
     <p:sldId id="271" r:id="rId16"/>
     <p:sldId id="272" r:id="rId17"/>
+    <p:sldId id="273" r:id="rId18"/>
+    <p:sldId id="274" r:id="rId19"/>
   </p:sldIdLst>
   <p:sldSz cx="12192000" cy="6858000"/>
   <p:notesSz cx="6858000" cy="9144000"/>
@@ -269,7 +271,7 @@
           <a:p>
             <a:fld id="{BA4B7FEF-7406-4DA0-A840-A184022FE48A}" type="datetimeFigureOut">
               <a:rPr lang="ru-RU" smtClean="0"/>
-              <a:t>01.08.2023</a:t>
+              <a:t>02.08.2023</a:t>
             </a:fld>
             <a:endParaRPr lang="ru-RU"/>
           </a:p>
@@ -439,7 +441,7 @@
           <a:p>
             <a:fld id="{BA4B7FEF-7406-4DA0-A840-A184022FE48A}" type="datetimeFigureOut">
               <a:rPr lang="ru-RU" smtClean="0"/>
-              <a:t>01.08.2023</a:t>
+              <a:t>02.08.2023</a:t>
             </a:fld>
             <a:endParaRPr lang="ru-RU"/>
           </a:p>
@@ -619,7 +621,7 @@
           <a:p>
             <a:fld id="{BA4B7FEF-7406-4DA0-A840-A184022FE48A}" type="datetimeFigureOut">
               <a:rPr lang="ru-RU" smtClean="0"/>
-              <a:t>01.08.2023</a:t>
+              <a:t>02.08.2023</a:t>
             </a:fld>
             <a:endParaRPr lang="ru-RU"/>
           </a:p>
@@ -789,7 +791,7 @@
           <a:p>
             <a:fld id="{BA4B7FEF-7406-4DA0-A840-A184022FE48A}" type="datetimeFigureOut">
               <a:rPr lang="ru-RU" smtClean="0"/>
-              <a:t>01.08.2023</a:t>
+              <a:t>02.08.2023</a:t>
             </a:fld>
             <a:endParaRPr lang="ru-RU"/>
           </a:p>
@@ -1035,7 +1037,7 @@
           <a:p>
             <a:fld id="{BA4B7FEF-7406-4DA0-A840-A184022FE48A}" type="datetimeFigureOut">
               <a:rPr lang="ru-RU" smtClean="0"/>
-              <a:t>01.08.2023</a:t>
+              <a:t>02.08.2023</a:t>
             </a:fld>
             <a:endParaRPr lang="ru-RU"/>
           </a:p>
@@ -1267,7 +1269,7 @@
           <a:p>
             <a:fld id="{BA4B7FEF-7406-4DA0-A840-A184022FE48A}" type="datetimeFigureOut">
               <a:rPr lang="ru-RU" smtClean="0"/>
-              <a:t>01.08.2023</a:t>
+              <a:t>02.08.2023</a:t>
             </a:fld>
             <a:endParaRPr lang="ru-RU"/>
           </a:p>
@@ -1634,7 +1636,7 @@
           <a:p>
             <a:fld id="{BA4B7FEF-7406-4DA0-A840-A184022FE48A}" type="datetimeFigureOut">
               <a:rPr lang="ru-RU" smtClean="0"/>
-              <a:t>01.08.2023</a:t>
+              <a:t>02.08.2023</a:t>
             </a:fld>
             <a:endParaRPr lang="ru-RU"/>
           </a:p>
@@ -1752,7 +1754,7 @@
           <a:p>
             <a:fld id="{BA4B7FEF-7406-4DA0-A840-A184022FE48A}" type="datetimeFigureOut">
               <a:rPr lang="ru-RU" smtClean="0"/>
-              <a:t>01.08.2023</a:t>
+              <a:t>02.08.2023</a:t>
             </a:fld>
             <a:endParaRPr lang="ru-RU"/>
           </a:p>
@@ -1847,7 +1849,7 @@
           <a:p>
             <a:fld id="{BA4B7FEF-7406-4DA0-A840-A184022FE48A}" type="datetimeFigureOut">
               <a:rPr lang="ru-RU" smtClean="0"/>
-              <a:t>01.08.2023</a:t>
+              <a:t>02.08.2023</a:t>
             </a:fld>
             <a:endParaRPr lang="ru-RU"/>
           </a:p>
@@ -2124,7 +2126,7 @@
           <a:p>
             <a:fld id="{BA4B7FEF-7406-4DA0-A840-A184022FE48A}" type="datetimeFigureOut">
               <a:rPr lang="ru-RU" smtClean="0"/>
-              <a:t>01.08.2023</a:t>
+              <a:t>02.08.2023</a:t>
             </a:fld>
             <a:endParaRPr lang="ru-RU"/>
           </a:p>
@@ -2377,7 +2379,7 @@
           <a:p>
             <a:fld id="{BA4B7FEF-7406-4DA0-A840-A184022FE48A}" type="datetimeFigureOut">
               <a:rPr lang="ru-RU" smtClean="0"/>
-              <a:t>01.08.2023</a:t>
+              <a:t>02.08.2023</a:t>
             </a:fld>
             <a:endParaRPr lang="ru-RU"/>
           </a:p>
@@ -2590,7 +2592,7 @@
           <a:p>
             <a:fld id="{BA4B7FEF-7406-4DA0-A840-A184022FE48A}" type="datetimeFigureOut">
               <a:rPr lang="ru-RU" smtClean="0"/>
-              <a:t>01.08.2023</a:t>
+              <a:t>02.08.2023</a:t>
             </a:fld>
             <a:endParaRPr lang="ru-RU"/>
           </a:p>
@@ -5526,6 +5528,431 @@
 </p:sld>
 </file>
 
+<file path=ppt/slides/slide17.xml><?xml version="1.0" encoding="utf-8"?>
+<p:sld xmlns:a="http://schemas.openxmlformats.org/drawingml/2006/main" xmlns:r="http://schemas.openxmlformats.org/officeDocument/2006/relationships" xmlns:p="http://schemas.openxmlformats.org/presentationml/2006/main">
+  <p:cSld>
+    <p:spTree>
+      <p:nvGrpSpPr>
+        <p:cNvPr id="1" name=""/>
+        <p:cNvGrpSpPr/>
+        <p:nvPr/>
+      </p:nvGrpSpPr>
+      <p:grpSpPr>
+        <a:xfrm>
+          <a:off x="0" y="0"/>
+          <a:ext cx="0" cy="0"/>
+          <a:chOff x="0" y="0"/>
+          <a:chExt cx="0" cy="0"/>
+        </a:xfrm>
+      </p:grpSpPr>
+      <p:sp>
+        <p:nvSpPr>
+          <p:cNvPr id="2" name="Заголовок 1"/>
+          <p:cNvSpPr>
+            <a:spLocks noGrp="1"/>
+          </p:cNvSpPr>
+          <p:nvPr>
+            <p:ph type="title"/>
+          </p:nvPr>
+        </p:nvSpPr>
+        <p:spPr/>
+        <p:txBody>
+          <a:bodyPr/>
+          <a:lstStyle/>
+          <a:p>
+            <a:r>
+              <a:rPr lang="en-US" dirty="0" smtClean="0"/>
+              <a:t>14) </a:t>
+            </a:r>
+            <a:r>
+              <a:rPr lang="ru-RU" dirty="0" smtClean="0"/>
+              <a:t>Имитация работы реестра:</a:t>
+            </a:r>
+            <a:br>
+              <a:rPr lang="ru-RU" dirty="0" smtClean="0"/>
+            </a:br>
+            <a:r>
+              <a:rPr lang="ru-RU" dirty="0" smtClean="0"/>
+              <a:t>фронт: </a:t>
+            </a:r>
+            <a:r>
+              <a:rPr lang="en-US" dirty="0" smtClean="0"/>
+              <a:t>ui.java; </a:t>
+            </a:r>
+            <a:r>
+              <a:rPr lang="ru-RU" dirty="0" err="1" smtClean="0"/>
+              <a:t>бэк</a:t>
+            </a:r>
+            <a:r>
+              <a:rPr lang="ru-RU" dirty="0" smtClean="0"/>
+              <a:t>: </a:t>
+            </a:r>
+            <a:r>
+              <a:rPr lang="en-US" dirty="0" smtClean="0"/>
+              <a:t>Commands_list.java</a:t>
+            </a:r>
+            <a:endParaRPr lang="ru-RU" dirty="0"/>
+          </a:p>
+        </p:txBody>
+      </p:sp>
+      <p:sp>
+        <p:nvSpPr>
+          <p:cNvPr id="3" name="Объект 2"/>
+          <p:cNvSpPr>
+            <a:spLocks noGrp="1"/>
+          </p:cNvSpPr>
+          <p:nvPr>
+            <p:ph idx="1"/>
+          </p:nvPr>
+        </p:nvSpPr>
+        <p:spPr>
+          <a:xfrm>
+            <a:off x="850232" y="1813593"/>
+            <a:ext cx="10515600" cy="4351338"/>
+          </a:xfrm>
+        </p:spPr>
+        <p:txBody>
+          <a:bodyPr>
+            <a:normAutofit/>
+          </a:bodyPr>
+          <a:lstStyle/>
+          <a:p>
+            <a:pPr marL="514350" indent="-514350">
+              <a:buFont typeface="+mj-lt"/>
+              <a:buAutoNum type="arabicPeriod"/>
+            </a:pPr>
+            <a:r>
+              <a:rPr lang="ru-RU" sz="1800" dirty="0" smtClean="0"/>
+              <a:t>Завести новое: </a:t>
+            </a:r>
+            <a:r>
+              <a:rPr lang="en-US" sz="1800" dirty="0" smtClean="0"/>
+              <a:t> </a:t>
+            </a:r>
+            <a:r>
+              <a:rPr lang="ru-RU" sz="1800" dirty="0" smtClean="0"/>
+              <a:t>операции пользователя: </a:t>
+            </a:r>
+            <a:r>
+              <a:rPr lang="en-US" sz="1800" dirty="0" smtClean="0"/>
+              <a:t>ui.java: [1,2]; </a:t>
+            </a:r>
+            <a:br>
+              <a:rPr lang="en-US" sz="1800" dirty="0" smtClean="0"/>
+            </a:br>
+            <a:r>
+              <a:rPr lang="ru-RU" sz="1800" dirty="0" smtClean="0"/>
+              <a:t>реализация: </a:t>
+            </a:r>
+            <a:r>
+              <a:rPr lang="en-US" sz="1800" dirty="0" err="1" smtClean="0"/>
+              <a:t>Commands_list.addPet</a:t>
+            </a:r>
+            <a:endParaRPr lang="en-US" sz="1800" dirty="0"/>
+          </a:p>
+          <a:p>
+            <a:pPr marL="514350" indent="-514350">
+              <a:buFont typeface="+mj-lt"/>
+              <a:buAutoNum type="arabicPeriod"/>
+            </a:pPr>
+            <a:r>
+              <a:rPr lang="ru-RU" sz="1800" dirty="0" smtClean="0"/>
+              <a:t>Определяем тип: распределено между </a:t>
+            </a:r>
+            <a:r>
+              <a:rPr lang="en-US" sz="1800" dirty="0" err="1" smtClean="0"/>
+              <a:t>addPet</a:t>
+            </a:r>
+            <a:r>
+              <a:rPr lang="en-US" sz="1800" dirty="0" smtClean="0"/>
+              <a:t> </a:t>
+            </a:r>
+            <a:r>
+              <a:rPr lang="ru-RU" sz="1800" dirty="0" smtClean="0"/>
+              <a:t>из 14.1 и полем С</a:t>
+            </a:r>
+            <a:r>
+              <a:rPr lang="en-US" sz="1800" dirty="0" err="1" smtClean="0"/>
+              <a:t>ommands_list.pets</a:t>
+            </a:r>
+            <a:r>
+              <a:rPr lang="en-US" sz="1800" dirty="0"/>
+              <a:t> </a:t>
+            </a:r>
+            <a:r>
+              <a:rPr lang="en-US" sz="1600" i="1" dirty="0" smtClean="0"/>
+              <a:t>#</a:t>
+            </a:r>
+            <a:r>
+              <a:rPr lang="ru-RU" sz="1600" i="1" dirty="0" smtClean="0"/>
+              <a:t>добавил проверку уникальности</a:t>
+            </a:r>
+            <a:r>
+              <a:rPr lang="en-US" sz="1600" i="1" dirty="0" smtClean="0"/>
+              <a:t>^^</a:t>
+            </a:r>
+            <a:r>
+              <a:rPr lang="ru-RU" sz="1600" i="1" dirty="0" smtClean="0"/>
+              <a:t>…</a:t>
+            </a:r>
+            <a:endParaRPr lang="en-US" sz="1800" i="1" dirty="0"/>
+          </a:p>
+          <a:p>
+            <a:pPr marL="514350" indent="-514350">
+              <a:buFont typeface="+mj-lt"/>
+              <a:buAutoNum type="arabicPeriod"/>
+            </a:pPr>
+            <a:r>
+              <a:rPr lang="ru-RU" sz="1800" dirty="0" smtClean="0"/>
+              <a:t>Список команд «животного» привязан не к животному индивидуально а к классу. Все коты могут танцевать. Мы научили всех котов петь, и теперь все коты могут ещё и петь.</a:t>
+            </a:r>
+            <a:br>
+              <a:rPr lang="ru-RU" sz="1800" dirty="0" smtClean="0"/>
+            </a:br>
+            <a:r>
+              <a:rPr lang="ru-RU" sz="1800" dirty="0" smtClean="0"/>
+              <a:t>Операции пользователя: </a:t>
+            </a:r>
+            <a:r>
+              <a:rPr lang="en-US" sz="1800" dirty="0" smtClean="0"/>
+              <a:t>ui.java [</a:t>
+            </a:r>
+            <a:r>
+              <a:rPr lang="ru-RU" sz="1800" dirty="0" smtClean="0"/>
+              <a:t>2</a:t>
+            </a:r>
+            <a:r>
+              <a:rPr lang="en-US" sz="1800" dirty="0" smtClean="0"/>
+              <a:t>,</a:t>
+            </a:r>
+            <a:r>
+              <a:rPr lang="ru-RU" sz="1800" dirty="0" smtClean="0"/>
+              <a:t>1</a:t>
+            </a:r>
+            <a:r>
+              <a:rPr lang="en-US" sz="1800" dirty="0" smtClean="0"/>
+              <a:t>]; </a:t>
+            </a:r>
+            <a:r>
+              <a:rPr lang="ru-RU" sz="1800" dirty="0" smtClean="0"/>
+              <a:t> реализация: </a:t>
+            </a:r>
+            <a:r>
+              <a:rPr lang="en-US" sz="1800" dirty="0" err="1" smtClean="0"/>
+              <a:t>Commands_list</a:t>
+            </a:r>
+            <a:r>
+              <a:rPr lang="ru-RU" sz="1800" dirty="0"/>
+              <a:t>.</a:t>
+            </a:r>
+            <a:r>
+              <a:rPr lang="en-US" sz="1800" dirty="0" err="1" smtClean="0"/>
+              <a:t>yellCommands</a:t>
+            </a:r>
+            <a:endParaRPr lang="ru-RU" sz="1800" dirty="0"/>
+          </a:p>
+          <a:p>
+            <a:pPr marL="514350" indent="-514350">
+              <a:buFont typeface="+mj-lt"/>
+              <a:buAutoNum type="arabicPeriod"/>
+            </a:pPr>
+            <a:r>
+              <a:rPr lang="ru-RU" sz="1800" dirty="0" smtClean="0"/>
+              <a:t>Обучить:</a:t>
+            </a:r>
+            <a:r>
+              <a:rPr lang="ru-RU" sz="1800" dirty="0"/>
+              <a:t> Операции пользователя: </a:t>
+            </a:r>
+            <a:r>
+              <a:rPr lang="en-US" sz="1800" dirty="0"/>
+              <a:t>ui.java [</a:t>
+            </a:r>
+            <a:r>
+              <a:rPr lang="ru-RU" sz="1800" dirty="0"/>
+              <a:t>2</a:t>
+            </a:r>
+            <a:r>
+              <a:rPr lang="en-US" sz="1800" dirty="0" smtClean="0"/>
+              <a:t>,</a:t>
+            </a:r>
+            <a:r>
+              <a:rPr lang="ru-RU" sz="1800" dirty="0" smtClean="0"/>
+              <a:t>2</a:t>
+            </a:r>
+            <a:r>
+              <a:rPr lang="en-US" sz="1800" dirty="0" smtClean="0"/>
+              <a:t>]; </a:t>
+            </a:r>
+            <a:r>
+              <a:rPr lang="ru-RU" sz="1800" dirty="0" smtClean="0"/>
+              <a:t> </a:t>
+            </a:r>
+            <a:r>
+              <a:rPr lang="ru-RU" sz="1800" dirty="0"/>
+              <a:t>реализация: </a:t>
+            </a:r>
+            <a:r>
+              <a:rPr lang="en-US" sz="1800" dirty="0" err="1"/>
+              <a:t>Commands_list</a:t>
+            </a:r>
+            <a:r>
+              <a:rPr lang="ru-RU" sz="1800" dirty="0"/>
+              <a:t>.</a:t>
+            </a:r>
+            <a:r>
+              <a:rPr lang="en-US" sz="1800" dirty="0" err="1" smtClean="0"/>
+              <a:t>yellCommands.addCommand</a:t>
+            </a:r>
+            <a:endParaRPr lang="en-US" sz="1800" dirty="0"/>
+          </a:p>
+          <a:p>
+            <a:pPr marL="514350" indent="-514350">
+              <a:buFont typeface="+mj-lt"/>
+              <a:buAutoNum type="arabicPeriod"/>
+            </a:pPr>
+            <a:r>
+              <a:rPr lang="ru-RU" sz="1800" dirty="0" smtClean="0"/>
+              <a:t>Навигация по меню реализована в </a:t>
+            </a:r>
+            <a:r>
+              <a:rPr lang="en-US" sz="1800" dirty="0" smtClean="0"/>
+              <a:t>ui.java.</a:t>
+            </a:r>
+            <a:br>
+              <a:rPr lang="en-US" sz="1800" dirty="0" smtClean="0"/>
+            </a:br>
+            <a:r>
+              <a:rPr lang="ru-RU" sz="1800" dirty="0" smtClean="0"/>
+              <a:t>Есть 3 </a:t>
+            </a:r>
+            <a:r>
+              <a:rPr lang="en-US" sz="1800" dirty="0" smtClean="0"/>
+              <a:t>repl. </a:t>
+            </a:r>
+            <a:r>
+              <a:rPr lang="ru-RU" sz="1800" dirty="0" smtClean="0"/>
+              <a:t>Основная вызывает побочные, а при нажатии 0 выходит с кодом 0. Побочные делают то что должны, а при нажатии 0 вызывают основную.</a:t>
+            </a:r>
+            <a:endParaRPr lang="en-US" sz="1800" dirty="0"/>
+          </a:p>
+          <a:p>
+            <a:pPr marL="514350" indent="-514350">
+              <a:buFont typeface="+mj-lt"/>
+              <a:buAutoNum type="arabicPeriod"/>
+            </a:pPr>
+            <a:endParaRPr lang="ru-RU" sz="1800" dirty="0"/>
+          </a:p>
+        </p:txBody>
+      </p:sp>
+    </p:spTree>
+    <p:extLst>
+      <p:ext uri="{BB962C8B-B14F-4D97-AF65-F5344CB8AC3E}">
+        <p14:creationId xmlns:p14="http://schemas.microsoft.com/office/powerpoint/2010/main" val="4190586629"/>
+      </p:ext>
+    </p:extLst>
+  </p:cSld>
+  <p:clrMapOvr>
+    <a:masterClrMapping/>
+  </p:clrMapOvr>
+</p:sld>
+</file>
+
+<file path=ppt/slides/slide18.xml><?xml version="1.0" encoding="utf-8"?>
+<p:sld xmlns:a="http://schemas.openxmlformats.org/drawingml/2006/main" xmlns:r="http://schemas.openxmlformats.org/officeDocument/2006/relationships" xmlns:p="http://schemas.openxmlformats.org/presentationml/2006/main">
+  <p:cSld>
+    <p:spTree>
+      <p:nvGrpSpPr>
+        <p:cNvPr id="1" name=""/>
+        <p:cNvGrpSpPr/>
+        <p:nvPr/>
+      </p:nvGrpSpPr>
+      <p:grpSpPr>
+        <a:xfrm>
+          <a:off x="0" y="0"/>
+          <a:ext cx="0" cy="0"/>
+          <a:chOff x="0" y="0"/>
+          <a:chExt cx="0" cy="0"/>
+        </a:xfrm>
+      </p:grpSpPr>
+      <p:sp>
+        <p:nvSpPr>
+          <p:cNvPr id="2" name="Заголовок 1"/>
+          <p:cNvSpPr>
+            <a:spLocks noGrp="1"/>
+          </p:cNvSpPr>
+          <p:nvPr>
+            <p:ph type="title"/>
+          </p:nvPr>
+        </p:nvSpPr>
+        <p:spPr/>
+        <p:txBody>
+          <a:bodyPr/>
+          <a:lstStyle/>
+          <a:p>
+            <a:r>
+              <a:rPr lang="ru-RU" dirty="0" smtClean="0"/>
+              <a:t>15. </a:t>
+            </a:r>
+            <a:r>
+              <a:rPr lang="en-US" dirty="0" smtClean="0"/>
+              <a:t>try-with</a:t>
+            </a:r>
+            <a:endParaRPr lang="ru-RU" dirty="0"/>
+          </a:p>
+        </p:txBody>
+      </p:sp>
+      <p:sp>
+        <p:nvSpPr>
+          <p:cNvPr id="3" name="Объект 2"/>
+          <p:cNvSpPr>
+            <a:spLocks noGrp="1"/>
+          </p:cNvSpPr>
+          <p:nvPr>
+            <p:ph idx="1"/>
+          </p:nvPr>
+        </p:nvSpPr>
+        <p:spPr/>
+        <p:txBody>
+          <a:bodyPr/>
+          <a:lstStyle/>
+          <a:p>
+            <a:r>
+              <a:rPr lang="ru-RU" dirty="0" smtClean="0"/>
+              <a:t>Хочу начать с того что идеей необходимости этой конструкции </a:t>
+            </a:r>
+            <a:r>
+              <a:rPr lang="ru-RU" i="1" dirty="0" smtClean="0"/>
+              <a:t>тут </a:t>
+            </a:r>
+            <a:r>
+              <a:rPr lang="ru-RU" dirty="0" smtClean="0"/>
+              <a:t> Я не </a:t>
+            </a:r>
+            <a:r>
+              <a:rPr lang="ru-RU" smtClean="0"/>
+              <a:t>проникся.</a:t>
+            </a:r>
+            <a:endParaRPr lang="ru-RU"/>
+          </a:p>
+          <a:p>
+            <a:endParaRPr lang="ru-RU" i="1" dirty="0"/>
+          </a:p>
+        </p:txBody>
+      </p:sp>
+    </p:spTree>
+    <p:extLst>
+      <p:ext uri="{BB962C8B-B14F-4D97-AF65-F5344CB8AC3E}">
+        <p14:creationId xmlns:p14="http://schemas.microsoft.com/office/powerpoint/2010/main" val="1087589782"/>
+      </p:ext>
+    </p:extLst>
+  </p:cSld>
+  <p:clrMapOvr>
+    <a:masterClrMapping/>
+  </p:clrMapOvr>
+</p:sld>
+</file>
+
 <file path=ppt/slides/slide2.xml><?xml version="1.0" encoding="utf-8"?>
 <p:sld xmlns:a="http://schemas.openxmlformats.org/drawingml/2006/main" xmlns:r="http://schemas.openxmlformats.org/officeDocument/2006/relationships" xmlns:p="http://schemas.openxmlformats.org/presentationml/2006/main">
   <p:cSld>

--- a/report.pptx
+++ b/report.pptx
@@ -5927,15 +5927,12 @@
             </a:r>
             <a:r>
               <a:rPr lang="ru-RU" dirty="0" smtClean="0"/>
-              <a:t> Я не </a:t>
-            </a:r>
-            <a:r>
-              <a:rPr lang="ru-RU" smtClean="0"/>
-              <a:t>проникся.</a:t>
-            </a:r>
-            <a:endParaRPr lang="ru-RU"/>
-          </a:p>
-          <a:p>
+              <a:t> Я не проникся.</a:t>
+            </a:r>
+            <a:endParaRPr lang="ru-RU" dirty="0"/>
+          </a:p>
+          <a:p>
+            <a:pPr algn="just"/>
             <a:endParaRPr lang="ru-RU" i="1" dirty="0"/>
           </a:p>
         </p:txBody>

--- a/report.pptx
+++ b/report.pptx
@@ -271,7 +271,7 @@
           <a:p>
             <a:fld id="{BA4B7FEF-7406-4DA0-A840-A184022FE48A}" type="datetimeFigureOut">
               <a:rPr lang="ru-RU" smtClean="0"/>
-              <a:t>02.08.2023</a:t>
+              <a:t>03.08.2023</a:t>
             </a:fld>
             <a:endParaRPr lang="ru-RU"/>
           </a:p>
@@ -441,7 +441,7 @@
           <a:p>
             <a:fld id="{BA4B7FEF-7406-4DA0-A840-A184022FE48A}" type="datetimeFigureOut">
               <a:rPr lang="ru-RU" smtClean="0"/>
-              <a:t>02.08.2023</a:t>
+              <a:t>03.08.2023</a:t>
             </a:fld>
             <a:endParaRPr lang="ru-RU"/>
           </a:p>
@@ -621,7 +621,7 @@
           <a:p>
             <a:fld id="{BA4B7FEF-7406-4DA0-A840-A184022FE48A}" type="datetimeFigureOut">
               <a:rPr lang="ru-RU" smtClean="0"/>
-              <a:t>02.08.2023</a:t>
+              <a:t>03.08.2023</a:t>
             </a:fld>
             <a:endParaRPr lang="ru-RU"/>
           </a:p>
@@ -791,7 +791,7 @@
           <a:p>
             <a:fld id="{BA4B7FEF-7406-4DA0-A840-A184022FE48A}" type="datetimeFigureOut">
               <a:rPr lang="ru-RU" smtClean="0"/>
-              <a:t>02.08.2023</a:t>
+              <a:t>03.08.2023</a:t>
             </a:fld>
             <a:endParaRPr lang="ru-RU"/>
           </a:p>
@@ -1037,7 +1037,7 @@
           <a:p>
             <a:fld id="{BA4B7FEF-7406-4DA0-A840-A184022FE48A}" type="datetimeFigureOut">
               <a:rPr lang="ru-RU" smtClean="0"/>
-              <a:t>02.08.2023</a:t>
+              <a:t>03.08.2023</a:t>
             </a:fld>
             <a:endParaRPr lang="ru-RU"/>
           </a:p>
@@ -1269,7 +1269,7 @@
           <a:p>
             <a:fld id="{BA4B7FEF-7406-4DA0-A840-A184022FE48A}" type="datetimeFigureOut">
               <a:rPr lang="ru-RU" smtClean="0"/>
-              <a:t>02.08.2023</a:t>
+              <a:t>03.08.2023</a:t>
             </a:fld>
             <a:endParaRPr lang="ru-RU"/>
           </a:p>
@@ -1636,7 +1636,7 @@
           <a:p>
             <a:fld id="{BA4B7FEF-7406-4DA0-A840-A184022FE48A}" type="datetimeFigureOut">
               <a:rPr lang="ru-RU" smtClean="0"/>
-              <a:t>02.08.2023</a:t>
+              <a:t>03.08.2023</a:t>
             </a:fld>
             <a:endParaRPr lang="ru-RU"/>
           </a:p>
@@ -1754,7 +1754,7 @@
           <a:p>
             <a:fld id="{BA4B7FEF-7406-4DA0-A840-A184022FE48A}" type="datetimeFigureOut">
               <a:rPr lang="ru-RU" smtClean="0"/>
-              <a:t>02.08.2023</a:t>
+              <a:t>03.08.2023</a:t>
             </a:fld>
             <a:endParaRPr lang="ru-RU"/>
           </a:p>
@@ -1849,7 +1849,7 @@
           <a:p>
             <a:fld id="{BA4B7FEF-7406-4DA0-A840-A184022FE48A}" type="datetimeFigureOut">
               <a:rPr lang="ru-RU" smtClean="0"/>
-              <a:t>02.08.2023</a:t>
+              <a:t>03.08.2023</a:t>
             </a:fld>
             <a:endParaRPr lang="ru-RU"/>
           </a:p>
@@ -2126,7 +2126,7 @@
           <a:p>
             <a:fld id="{BA4B7FEF-7406-4DA0-A840-A184022FE48A}" type="datetimeFigureOut">
               <a:rPr lang="ru-RU" smtClean="0"/>
-              <a:t>02.08.2023</a:t>
+              <a:t>03.08.2023</a:t>
             </a:fld>
             <a:endParaRPr lang="ru-RU"/>
           </a:p>
@@ -2379,7 +2379,7 @@
           <a:p>
             <a:fld id="{BA4B7FEF-7406-4DA0-A840-A184022FE48A}" type="datetimeFigureOut">
               <a:rPr lang="ru-RU" smtClean="0"/>
-              <a:t>02.08.2023</a:t>
+              <a:t>03.08.2023</a:t>
             </a:fld>
             <a:endParaRPr lang="ru-RU"/>
           </a:p>
@@ -2592,7 +2592,7 @@
           <a:p>
             <a:fld id="{BA4B7FEF-7406-4DA0-A840-A184022FE48A}" type="datetimeFigureOut">
               <a:rPr lang="ru-RU" smtClean="0"/>
-              <a:t>02.08.2023</a:t>
+              <a:t>03.08.2023</a:t>
             </a:fld>
             <a:endParaRPr lang="ru-RU"/>
           </a:p>
@@ -5898,6 +5898,14 @@
               <a:rPr lang="en-US" dirty="0" smtClean="0"/>
               <a:t>try-with</a:t>
             </a:r>
+            <a:r>
+              <a:rPr lang="ru-RU" dirty="0" smtClean="0"/>
+              <a:t>: </a:t>
+            </a:r>
+            <a:r>
+              <a:rPr lang="en-US" dirty="0"/>
+              <a:t>Counter.java</a:t>
+            </a:r>
             <a:endParaRPr lang="ru-RU" dirty="0"/>
           </a:p>
         </p:txBody>
@@ -5914,7 +5922,9 @@
         </p:nvSpPr>
         <p:spPr/>
         <p:txBody>
-          <a:bodyPr/>
+          <a:bodyPr>
+            <a:normAutofit fontScale="92500" lnSpcReduction="20000"/>
+          </a:bodyPr>
           <a:lstStyle/>
           <a:p>
             <a:r>
@@ -5927,7 +5937,112 @@
             </a:r>
             <a:r>
               <a:rPr lang="ru-RU" dirty="0" smtClean="0"/>
-              <a:t> Я не проникся.</a:t>
+              <a:t> Я не проникся</a:t>
+            </a:r>
+            <a:r>
+              <a:rPr lang="ru-RU" dirty="0" smtClean="0"/>
+              <a:t>.</a:t>
+            </a:r>
+            <a:endParaRPr lang="en-US" dirty="0"/>
+          </a:p>
+          <a:p>
+            <a:r>
+              <a:rPr lang="ru-RU" dirty="0" smtClean="0"/>
+              <a:t>Файл </a:t>
+            </a:r>
+            <a:r>
+              <a:rPr lang="en-US" dirty="0" smtClean="0"/>
+              <a:t>Counter.java </a:t>
+            </a:r>
+            <a:r>
+              <a:rPr lang="ru-RU" dirty="0" smtClean="0"/>
+              <a:t>….воплощает? </a:t>
+            </a:r>
+            <a:r>
+              <a:rPr lang="en-US" dirty="0" err="1" smtClean="0"/>
+              <a:t>Autocloseable</a:t>
+            </a:r>
+            <a:r>
+              <a:rPr lang="en-US" dirty="0" smtClean="0"/>
+              <a:t>.</a:t>
+            </a:r>
+            <a:r>
+              <a:rPr lang="ru-RU" dirty="0"/>
+              <a:t> </a:t>
+            </a:r>
+            <a:endParaRPr lang="ru-RU" dirty="0" smtClean="0"/>
+          </a:p>
+          <a:p>
+            <a:r>
+              <a:rPr lang="ru-RU" dirty="0" smtClean="0"/>
+              <a:t>Вызывается в блоке </a:t>
+            </a:r>
+            <a:r>
+              <a:rPr lang="en-US" dirty="0" smtClean="0"/>
+              <a:t>try-with;</a:t>
+            </a:r>
+          </a:p>
+          <a:p>
+            <a:r>
+              <a:rPr lang="ru-RU" dirty="0" smtClean="0"/>
+              <a:t>О том всё или не все внесли в животное не знает, и это не его дело в общем-то. Но вызывается уже после того как прошла </a:t>
+            </a:r>
+            <a:r>
+              <a:rPr lang="ru-RU" dirty="0" err="1" smtClean="0"/>
+              <a:t>валидация</a:t>
+            </a:r>
+            <a:r>
+              <a:rPr lang="ru-RU" dirty="0" smtClean="0"/>
+              <a:t>  ввода.</a:t>
+            </a:r>
+          </a:p>
+          <a:p>
+            <a:r>
+              <a:rPr lang="ru-RU" dirty="0" smtClean="0"/>
+              <a:t>«если работа с объектом типа счётчик была не в </a:t>
+            </a:r>
+            <a:r>
+              <a:rPr lang="ru-RU" dirty="0" err="1" smtClean="0"/>
+              <a:t>ресурном</a:t>
+            </a:r>
+            <a:r>
+              <a:rPr lang="ru-RU" dirty="0" smtClean="0"/>
+              <a:t> </a:t>
+            </a:r>
+            <a:r>
+              <a:rPr lang="en-US" dirty="0" smtClean="0"/>
+              <a:t>try</a:t>
+            </a:r>
+            <a:r>
+              <a:rPr lang="ru-RU" dirty="0" smtClean="0"/>
+              <a:t>», достигаем инкапсуляцией. Счётчик накидывается ф-ей </a:t>
+            </a:r>
+            <a:r>
+              <a:rPr lang="en-US" dirty="0" smtClean="0"/>
+              <a:t>increment</a:t>
+            </a:r>
+            <a:r>
+              <a:rPr lang="ru-RU" dirty="0" smtClean="0"/>
+              <a:t>, а инкремент вызывается на </a:t>
+            </a:r>
+            <a:r>
+              <a:rPr lang="ru-RU" dirty="0" smtClean="0"/>
+              <a:t>не-закрытом </a:t>
+            </a:r>
+            <a:r>
+              <a:rPr lang="ru-RU" dirty="0" smtClean="0"/>
+              <a:t>счётчике.</a:t>
+            </a:r>
+            <a:endParaRPr lang="ru-RU" dirty="0"/>
+          </a:p>
+          <a:p>
+            <a:r>
+              <a:rPr lang="ru-RU" dirty="0" smtClean="0"/>
+              <a:t>Насчёт «ресурс остался открыт» мне сложно что-то внятно ответить. </a:t>
+            </a:r>
+            <a:r>
+              <a:rPr lang="ru-RU" dirty="0" smtClean="0"/>
+              <a:t>Звучит как обработка ошибки выдёргивания компьютера из розетки.</a:t>
             </a:r>
             <a:endParaRPr lang="ru-RU" dirty="0"/>
           </a:p>
